--- a/PowerPoint For Presentations/Tanzania Pump Prediction.pptx
+++ b/PowerPoint For Presentations/Tanzania Pump Prediction.pptx
@@ -14,6 +14,11 @@
     <p:sldId id="269" r:id="rId8"/>
     <p:sldId id="270" r:id="rId9"/>
     <p:sldId id="271" r:id="rId10"/>
+    <p:sldId id="272" r:id="rId11"/>
+    <p:sldId id="274" r:id="rId12"/>
+    <p:sldId id="275" r:id="rId13"/>
+    <p:sldId id="276" r:id="rId14"/>
+    <p:sldId id="277" r:id="rId15"/>
   </p:sldIdLst>
   <p:sldSz cx="12192000" cy="6858000"/>
   <p:notesSz cx="6858000" cy="9144000"/>
@@ -267,7 +272,7 @@
           <a:p>
             <a:fld id="{1FAB6D45-BDAF-4D46-AAC1-1E9C0796D85B}" type="datetimeFigureOut">
               <a:rPr lang="en-US" smtClean="0"/>
-              <a:t>10/1/2021</a:t>
+              <a:t>10/2/2021</a:t>
             </a:fld>
             <a:endParaRPr lang="en-US"/>
           </a:p>
@@ -465,7 +470,7 @@
           <a:p>
             <a:fld id="{1FAB6D45-BDAF-4D46-AAC1-1E9C0796D85B}" type="datetimeFigureOut">
               <a:rPr lang="en-US" smtClean="0"/>
-              <a:t>10/1/2021</a:t>
+              <a:t>10/2/2021</a:t>
             </a:fld>
             <a:endParaRPr lang="en-US"/>
           </a:p>
@@ -673,7 +678,7 @@
           <a:p>
             <a:fld id="{1FAB6D45-BDAF-4D46-AAC1-1E9C0796D85B}" type="datetimeFigureOut">
               <a:rPr lang="en-US" smtClean="0"/>
-              <a:t>10/1/2021</a:t>
+              <a:t>10/2/2021</a:t>
             </a:fld>
             <a:endParaRPr lang="en-US"/>
           </a:p>
@@ -871,7 +876,7 @@
           <a:p>
             <a:fld id="{1FAB6D45-BDAF-4D46-AAC1-1E9C0796D85B}" type="datetimeFigureOut">
               <a:rPr lang="en-US" smtClean="0"/>
-              <a:t>10/1/2021</a:t>
+              <a:t>10/2/2021</a:t>
             </a:fld>
             <a:endParaRPr lang="en-US"/>
           </a:p>
@@ -1146,7 +1151,7 @@
           <a:p>
             <a:fld id="{1FAB6D45-BDAF-4D46-AAC1-1E9C0796D85B}" type="datetimeFigureOut">
               <a:rPr lang="en-US" smtClean="0"/>
-              <a:t>10/1/2021</a:t>
+              <a:t>10/2/2021</a:t>
             </a:fld>
             <a:endParaRPr lang="en-US"/>
           </a:p>
@@ -1411,7 +1416,7 @@
           <a:p>
             <a:fld id="{1FAB6D45-BDAF-4D46-AAC1-1E9C0796D85B}" type="datetimeFigureOut">
               <a:rPr lang="en-US" smtClean="0"/>
-              <a:t>10/1/2021</a:t>
+              <a:t>10/2/2021</a:t>
             </a:fld>
             <a:endParaRPr lang="en-US"/>
           </a:p>
@@ -1823,7 +1828,7 @@
           <a:p>
             <a:fld id="{1FAB6D45-BDAF-4D46-AAC1-1E9C0796D85B}" type="datetimeFigureOut">
               <a:rPr lang="en-US" smtClean="0"/>
-              <a:t>10/1/2021</a:t>
+              <a:t>10/2/2021</a:t>
             </a:fld>
             <a:endParaRPr lang="en-US"/>
           </a:p>
@@ -1964,7 +1969,7 @@
           <a:p>
             <a:fld id="{1FAB6D45-BDAF-4D46-AAC1-1E9C0796D85B}" type="datetimeFigureOut">
               <a:rPr lang="en-US" smtClean="0"/>
-              <a:t>10/1/2021</a:t>
+              <a:t>10/2/2021</a:t>
             </a:fld>
             <a:endParaRPr lang="en-US"/>
           </a:p>
@@ -2077,7 +2082,7 @@
           <a:p>
             <a:fld id="{1FAB6D45-BDAF-4D46-AAC1-1E9C0796D85B}" type="datetimeFigureOut">
               <a:rPr lang="en-US" smtClean="0"/>
-              <a:t>10/1/2021</a:t>
+              <a:t>10/2/2021</a:t>
             </a:fld>
             <a:endParaRPr lang="en-US"/>
           </a:p>
@@ -2388,7 +2393,7 @@
           <a:p>
             <a:fld id="{1FAB6D45-BDAF-4D46-AAC1-1E9C0796D85B}" type="datetimeFigureOut">
               <a:rPr lang="en-US" smtClean="0"/>
-              <a:t>10/1/2021</a:t>
+              <a:t>10/2/2021</a:t>
             </a:fld>
             <a:endParaRPr lang="en-US"/>
           </a:p>
@@ -2676,7 +2681,7 @@
           <a:p>
             <a:fld id="{1FAB6D45-BDAF-4D46-AAC1-1E9C0796D85B}" type="datetimeFigureOut">
               <a:rPr lang="en-US" smtClean="0"/>
-              <a:t>10/1/2021</a:t>
+              <a:t>10/2/2021</a:t>
             </a:fld>
             <a:endParaRPr lang="en-US"/>
           </a:p>
@@ -2917,7 +2922,7 @@
           <a:p>
             <a:fld id="{1FAB6D45-BDAF-4D46-AAC1-1E9C0796D85B}" type="datetimeFigureOut">
               <a:rPr lang="en-US" smtClean="0"/>
-              <a:t>10/1/2021</a:t>
+              <a:t>10/2/2021</a:t>
             </a:fld>
             <a:endParaRPr lang="en-US"/>
           </a:p>
@@ -3342,12 +3347,12 @@
           <a:chExt cx="0" cy="0"/>
         </a:xfrm>
       </p:grpSpPr>
-      <p:sp>
-        <p:nvSpPr>
-          <p:cNvPr id="8" name="Rectangle 7">
-            <a:extLst>
-              <a:ext uri="{FF2B5EF4-FFF2-40B4-BE49-F238E27FC236}">
-                <a16:creationId xmlns:a16="http://schemas.microsoft.com/office/drawing/2014/main" id="{88294908-8B00-4F58-BBBA-20F71A40AA9E}"/>
+      <p:sp useBgFill="1">
+        <p:nvSpPr>
+          <p:cNvPr id="44" name="Rectangle 43">
+            <a:extLst>
+              <a:ext uri="{FF2B5EF4-FFF2-40B4-BE49-F238E27FC236}">
+                <a16:creationId xmlns:a16="http://schemas.microsoft.com/office/drawing/2014/main" id="{943CAA20-3569-4189-9E48-239A229A86CA}"/>
               </a:ext>
               <a:ext uri="{C183D7F6-B498-43B3-948B-1728B52AA6E4}">
                 <adec:decorative xmlns:adec="http://schemas.microsoft.com/office/drawing/2017/decorative" val="1"/>
@@ -3368,14 +3373,11 @@
         <p:spPr>
           <a:xfrm>
             <a:off x="0" y="0"/>
-            <a:ext cx="12192000" cy="6858000"/>
+            <a:ext cx="12188952" cy="6858000"/>
           </a:xfrm>
           <a:prstGeom prst="rect">
             <a:avLst/>
           </a:prstGeom>
-          <a:solidFill>
-            <a:schemeClr val="bg2"/>
-          </a:solidFill>
           <a:ln>
             <a:noFill/>
           </a:ln>
@@ -3401,16 +3403,88 @@
           <a:lstStyle/>
           <a:p>
             <a:pPr algn="ctr"/>
-            <a:endParaRPr lang="en-US" dirty="0"/>
-          </a:p>
-        </p:txBody>
-      </p:sp>
-      <p:sp>
-        <p:nvSpPr>
-          <p:cNvPr id="10" name="Freeform: Shape 9">
-            <a:extLst>
-              <a:ext uri="{FF2B5EF4-FFF2-40B4-BE49-F238E27FC236}">
-                <a16:creationId xmlns:a16="http://schemas.microsoft.com/office/drawing/2014/main" id="{4364C879-1404-4203-8E9D-CC5DE0A621A2}"/>
+            <a:endParaRPr lang="en-US"/>
+          </a:p>
+        </p:txBody>
+      </p:sp>
+      <p:sp>
+        <p:nvSpPr>
+          <p:cNvPr id="2" name="Title 1">
+            <a:extLst>
+              <a:ext uri="{FF2B5EF4-FFF2-40B4-BE49-F238E27FC236}">
+                <a16:creationId xmlns:a16="http://schemas.microsoft.com/office/drawing/2014/main" id="{FB915C3A-04BB-4DD4-B443-9ED5B202A8E7}"/>
+              </a:ext>
+            </a:extLst>
+          </p:cNvPr>
+          <p:cNvSpPr>
+            <a:spLocks noGrp="1"/>
+          </p:cNvSpPr>
+          <p:nvPr>
+            <p:ph type="ctrTitle"/>
+          </p:nvPr>
+        </p:nvSpPr>
+        <p:spPr>
+          <a:xfrm>
+            <a:off x="838200" y="451381"/>
+            <a:ext cx="10512552" cy="4066540"/>
+          </a:xfrm>
+        </p:spPr>
+        <p:txBody>
+          <a:bodyPr anchor="b">
+            <a:normAutofit/>
+          </a:bodyPr>
+          <a:lstStyle/>
+          <a:p>
+            <a:pPr algn="l"/>
+            <a:r>
+              <a:rPr lang="en-US" sz="6600"/>
+              <a:t>Tanzania Pump Prediction</a:t>
+            </a:r>
+          </a:p>
+        </p:txBody>
+      </p:sp>
+      <p:sp>
+        <p:nvSpPr>
+          <p:cNvPr id="3" name="Subtitle 2">
+            <a:extLst>
+              <a:ext uri="{FF2B5EF4-FFF2-40B4-BE49-F238E27FC236}">
+                <a16:creationId xmlns:a16="http://schemas.microsoft.com/office/drawing/2014/main" id="{19A6D909-C776-4531-A80E-39F151DA5A61}"/>
+              </a:ext>
+            </a:extLst>
+          </p:cNvPr>
+          <p:cNvSpPr>
+            <a:spLocks noGrp="1"/>
+          </p:cNvSpPr>
+          <p:nvPr>
+            <p:ph type="subTitle" idx="1"/>
+          </p:nvPr>
+        </p:nvSpPr>
+        <p:spPr>
+          <a:xfrm>
+            <a:off x="838199" y="4983276"/>
+            <a:ext cx="10512552" cy="1126680"/>
+          </a:xfrm>
+        </p:spPr>
+        <p:txBody>
+          <a:bodyPr>
+            <a:normAutofit/>
+          </a:bodyPr>
+          <a:lstStyle/>
+          <a:p>
+            <a:pPr algn="l"/>
+            <a:r>
+              <a:rPr lang="en-US"/>
+              <a:t>By: Ranaldo Slowley</a:t>
+            </a:r>
+          </a:p>
+        </p:txBody>
+      </p:sp>
+      <p:sp>
+        <p:nvSpPr>
+          <p:cNvPr id="46" name="sketch line">
+            <a:extLst>
+              <a:ext uri="{FF2B5EF4-FFF2-40B4-BE49-F238E27FC236}">
+                <a16:creationId xmlns:a16="http://schemas.microsoft.com/office/drawing/2014/main" id="{DA542B6D-E775-4832-91DC-2D20F857813A}"/>
               </a:ext>
               <a:ext uri="{C183D7F6-B498-43B3-948B-1728B52AA6E4}">
                 <adec:decorative xmlns:adec="http://schemas.microsoft.com/office/drawing/2017/decorative" val="1"/>
@@ -3429,762 +3503,51 @@
           </p:nvPr>
         </p:nvSpPr>
         <p:spPr>
-          <a:xfrm rot="2700000">
-            <a:off x="82782" y="-1386168"/>
-            <a:ext cx="2424873" cy="3611191"/>
+          <a:xfrm>
+            <a:off x="838200" y="4718595"/>
+            <a:ext cx="5410200" cy="18288"/>
           </a:xfrm>
           <a:custGeom>
             <a:avLst/>
             <a:gdLst>
-              <a:gd name="connsiteX0" fmla="*/ 0 w 2424873"/>
-              <a:gd name="connsiteY0" fmla="*/ 2424874 h 3611191"/>
-              <a:gd name="connsiteX1" fmla="*/ 2424873 w 2424873"/>
-              <a:gd name="connsiteY1" fmla="*/ 0 h 3611191"/>
-              <a:gd name="connsiteX2" fmla="*/ 2424873 w 2424873"/>
-              <a:gd name="connsiteY2" fmla="*/ 3611191 h 3611191"/>
-              <a:gd name="connsiteX3" fmla="*/ 1186317 w 2424873"/>
-              <a:gd name="connsiteY3" fmla="*/ 3611191 h 3611191"/>
-            </a:gdLst>
-            <a:ahLst/>
-            <a:cxnLst>
-              <a:cxn ang="0">
-                <a:pos x="connsiteX0" y="connsiteY0"/>
-              </a:cxn>
-              <a:cxn ang="0">
-                <a:pos x="connsiteX1" y="connsiteY1"/>
-              </a:cxn>
-              <a:cxn ang="0">
-                <a:pos x="connsiteX2" y="connsiteY2"/>
-              </a:cxn>
-              <a:cxn ang="0">
-                <a:pos x="connsiteX3" y="connsiteY3"/>
-              </a:cxn>
-            </a:cxnLst>
-            <a:rect l="l" t="t" r="r" b="b"/>
-            <a:pathLst>
-              <a:path w="2424873" h="3611191">
-                <a:moveTo>
-                  <a:pt x="0" y="2424874"/>
-                </a:moveTo>
-                <a:lnTo>
-                  <a:pt x="2424873" y="0"/>
-                </a:lnTo>
-                <a:lnTo>
-                  <a:pt x="2424873" y="3611191"/>
-                </a:lnTo>
-                <a:lnTo>
-                  <a:pt x="1186317" y="3611191"/>
-                </a:lnTo>
-                <a:close/>
-              </a:path>
-            </a:pathLst>
-          </a:custGeom>
-          <a:solidFill>
-            <a:schemeClr val="accent4">
-              <a:alpha val="40000"/>
-            </a:schemeClr>
-          </a:solidFill>
-          <a:ln>
-            <a:noFill/>
-          </a:ln>
-        </p:spPr>
-        <p:style>
-          <a:lnRef idx="2">
-            <a:schemeClr val="accent1">
-              <a:shade val="50000"/>
-            </a:schemeClr>
-          </a:lnRef>
-          <a:fillRef idx="1">
-            <a:schemeClr val="accent1"/>
-          </a:fillRef>
-          <a:effectRef idx="0">
-            <a:schemeClr val="accent1"/>
-          </a:effectRef>
-          <a:fontRef idx="minor">
-            <a:schemeClr val="lt1"/>
-          </a:fontRef>
-        </p:style>
-        <p:txBody>
-          <a:bodyPr wrap="square" rtlCol="0" anchor="ctr">
-            <a:noAutofit/>
-          </a:bodyPr>
-          <a:lstStyle/>
-          <a:p>
-            <a:pPr algn="ctr"/>
-            <a:endParaRPr lang="en-US"/>
-          </a:p>
-        </p:txBody>
-      </p:sp>
-      <p:sp>
-        <p:nvSpPr>
-          <p:cNvPr id="12" name="Freeform: Shape 11">
-            <a:extLst>
-              <a:ext uri="{FF2B5EF4-FFF2-40B4-BE49-F238E27FC236}">
-                <a16:creationId xmlns:a16="http://schemas.microsoft.com/office/drawing/2014/main" id="{84617302-4B0D-4351-A6BB-6F0930D943AC}"/>
-              </a:ext>
-              <a:ext uri="{C183D7F6-B498-43B3-948B-1728B52AA6E4}">
-                <adec:decorative xmlns:adec="http://schemas.microsoft.com/office/drawing/2017/decorative" val="1"/>
-              </a:ext>
-            </a:extLst>
-          </p:cNvPr>
-          <p:cNvSpPr>
-            <a:spLocks noGrp="1" noRot="1" noChangeAspect="1" noMove="1" noResize="1" noEditPoints="1" noAdjustHandles="1" noChangeArrowheads="1" noChangeShapeType="1" noTextEdit="1"/>
-          </p:cNvSpPr>
-          <p:nvPr>
-            <p:extLst>
-              <p:ext uri="{386F3935-93C4-4BCD-93E2-E3B085C9AB24}">
-                <p16:designElem xmlns:p16="http://schemas.microsoft.com/office/powerpoint/2015/main" val="1"/>
-              </p:ext>
-            </p:extLst>
-          </p:nvPr>
-        </p:nvSpPr>
-        <p:spPr>
-          <a:xfrm rot="2700000">
-            <a:off x="1571000" y="-338582"/>
-            <a:ext cx="1635955" cy="1635955"/>
-          </a:xfrm>
-          <a:custGeom>
-            <a:avLst/>
-            <a:gdLst>
-              <a:gd name="connsiteX0" fmla="*/ 0 w 1635955"/>
-              <a:gd name="connsiteY0" fmla="*/ 957987 h 1635955"/>
-              <a:gd name="connsiteX1" fmla="*/ 957987 w 1635955"/>
-              <a:gd name="connsiteY1" fmla="*/ 0 h 1635955"/>
-              <a:gd name="connsiteX2" fmla="*/ 1635955 w 1635955"/>
-              <a:gd name="connsiteY2" fmla="*/ 0 h 1635955"/>
-              <a:gd name="connsiteX3" fmla="*/ 1635955 w 1635955"/>
-              <a:gd name="connsiteY3" fmla="*/ 1635955 h 1635955"/>
-              <a:gd name="connsiteX4" fmla="*/ 0 w 1635955"/>
-              <a:gd name="connsiteY4" fmla="*/ 1635955 h 1635955"/>
-            </a:gdLst>
-            <a:ahLst/>
-            <a:cxnLst>
-              <a:cxn ang="0">
-                <a:pos x="connsiteX0" y="connsiteY0"/>
-              </a:cxn>
-              <a:cxn ang="0">
-                <a:pos x="connsiteX1" y="connsiteY1"/>
-              </a:cxn>
-              <a:cxn ang="0">
-                <a:pos x="connsiteX2" y="connsiteY2"/>
-              </a:cxn>
-              <a:cxn ang="0">
-                <a:pos x="connsiteX3" y="connsiteY3"/>
-              </a:cxn>
-              <a:cxn ang="0">
-                <a:pos x="connsiteX4" y="connsiteY4"/>
-              </a:cxn>
-            </a:cxnLst>
-            <a:rect l="l" t="t" r="r" b="b"/>
-            <a:pathLst>
-              <a:path w="1635955" h="1635955">
-                <a:moveTo>
-                  <a:pt x="0" y="957987"/>
-                </a:moveTo>
-                <a:lnTo>
-                  <a:pt x="957987" y="0"/>
-                </a:lnTo>
-                <a:lnTo>
-                  <a:pt x="1635955" y="0"/>
-                </a:lnTo>
-                <a:lnTo>
-                  <a:pt x="1635955" y="1635955"/>
-                </a:lnTo>
-                <a:lnTo>
-                  <a:pt x="0" y="1635955"/>
-                </a:lnTo>
-                <a:close/>
-              </a:path>
-            </a:pathLst>
-          </a:custGeom>
-          <a:solidFill>
-            <a:schemeClr val="accent4">
-              <a:alpha val="40000"/>
-            </a:schemeClr>
-          </a:solidFill>
-          <a:ln>
-            <a:noFill/>
-          </a:ln>
-        </p:spPr>
-        <p:style>
-          <a:lnRef idx="2">
-            <a:schemeClr val="accent1">
-              <a:shade val="50000"/>
-            </a:schemeClr>
-          </a:lnRef>
-          <a:fillRef idx="1">
-            <a:schemeClr val="accent1"/>
-          </a:fillRef>
-          <a:effectRef idx="0">
-            <a:schemeClr val="accent1"/>
-          </a:effectRef>
-          <a:fontRef idx="minor">
-            <a:schemeClr val="lt1"/>
-          </a:fontRef>
-        </p:style>
-        <p:txBody>
-          <a:bodyPr wrap="square" rtlCol="0" anchor="ctr">
-            <a:noAutofit/>
-          </a:bodyPr>
-          <a:lstStyle/>
-          <a:p>
-            <a:pPr algn="ctr"/>
-            <a:endParaRPr lang="en-US"/>
-          </a:p>
-        </p:txBody>
-      </p:sp>
-      <p:sp>
-        <p:nvSpPr>
-          <p:cNvPr id="14" name="Freeform: Shape 13">
-            <a:extLst>
-              <a:ext uri="{FF2B5EF4-FFF2-40B4-BE49-F238E27FC236}">
-                <a16:creationId xmlns:a16="http://schemas.microsoft.com/office/drawing/2014/main" id="{DA2C7802-C2E0-4218-8F89-8DD7CCD2CD1C}"/>
-              </a:ext>
-              <a:ext uri="{C183D7F6-B498-43B3-948B-1728B52AA6E4}">
-                <adec:decorative xmlns:adec="http://schemas.microsoft.com/office/drawing/2017/decorative" val="1"/>
-              </a:ext>
-            </a:extLst>
-          </p:cNvPr>
-          <p:cNvSpPr>
-            <a:spLocks noGrp="1" noRot="1" noChangeAspect="1" noMove="1" noResize="1" noEditPoints="1" noAdjustHandles="1" noChangeArrowheads="1" noChangeShapeType="1" noTextEdit="1"/>
-          </p:cNvSpPr>
-          <p:nvPr>
-            <p:extLst>
-              <p:ext uri="{386F3935-93C4-4BCD-93E2-E3B085C9AB24}">
-                <p16:designElem xmlns:p16="http://schemas.microsoft.com/office/powerpoint/2015/main" val="1"/>
-              </p:ext>
-            </p:extLst>
-          </p:nvPr>
-        </p:nvSpPr>
-        <p:spPr>
-          <a:xfrm rot="2700000">
-            <a:off x="9627985" y="-6588"/>
-            <a:ext cx="4059393" cy="2548110"/>
-          </a:xfrm>
-          <a:custGeom>
-            <a:avLst/>
-            <a:gdLst>
-              <a:gd name="connsiteX0" fmla="*/ 0 w 4059393"/>
-              <a:gd name="connsiteY0" fmla="*/ 1511282 h 2548110"/>
-              <a:gd name="connsiteX1" fmla="*/ 1511282 w 4059393"/>
-              <a:gd name="connsiteY1" fmla="*/ 0 h 2548110"/>
-              <a:gd name="connsiteX2" fmla="*/ 4059393 w 4059393"/>
-              <a:gd name="connsiteY2" fmla="*/ 2548110 h 2548110"/>
-              <a:gd name="connsiteX3" fmla="*/ 0 w 4059393"/>
-              <a:gd name="connsiteY3" fmla="*/ 2548110 h 2548110"/>
-            </a:gdLst>
-            <a:ahLst/>
-            <a:cxnLst>
-              <a:cxn ang="0">
-                <a:pos x="connsiteX0" y="connsiteY0"/>
-              </a:cxn>
-              <a:cxn ang="0">
-                <a:pos x="connsiteX1" y="connsiteY1"/>
-              </a:cxn>
-              <a:cxn ang="0">
-                <a:pos x="connsiteX2" y="connsiteY2"/>
-              </a:cxn>
-              <a:cxn ang="0">
-                <a:pos x="connsiteX3" y="connsiteY3"/>
-              </a:cxn>
-            </a:cxnLst>
-            <a:rect l="l" t="t" r="r" b="b"/>
-            <a:pathLst>
-              <a:path w="4059393" h="2548110">
-                <a:moveTo>
-                  <a:pt x="0" y="1511282"/>
-                </a:moveTo>
-                <a:lnTo>
-                  <a:pt x="1511282" y="0"/>
-                </a:lnTo>
-                <a:lnTo>
-                  <a:pt x="4059393" y="2548110"/>
-                </a:lnTo>
-                <a:lnTo>
-                  <a:pt x="0" y="2548110"/>
-                </a:lnTo>
-                <a:close/>
-              </a:path>
-            </a:pathLst>
-          </a:custGeom>
-          <a:solidFill>
-            <a:schemeClr val="accent1">
-              <a:alpha val="30000"/>
-            </a:schemeClr>
-          </a:solidFill>
-          <a:ln>
-            <a:noFill/>
-          </a:ln>
-        </p:spPr>
-        <p:style>
-          <a:lnRef idx="2">
-            <a:schemeClr val="accent1">
-              <a:shade val="50000"/>
-            </a:schemeClr>
-          </a:lnRef>
-          <a:fillRef idx="1">
-            <a:schemeClr val="accent1"/>
-          </a:fillRef>
-          <a:effectRef idx="0">
-            <a:schemeClr val="accent1"/>
-          </a:effectRef>
-          <a:fontRef idx="minor">
-            <a:schemeClr val="lt1"/>
-          </a:fontRef>
-        </p:style>
-        <p:txBody>
-          <a:bodyPr wrap="square" rtlCol="0" anchor="ctr">
-            <a:noAutofit/>
-          </a:bodyPr>
-          <a:lstStyle/>
-          <a:p>
-            <a:pPr algn="ctr"/>
-            <a:endParaRPr lang="en-US"/>
-          </a:p>
-        </p:txBody>
-      </p:sp>
-      <p:sp>
-        <p:nvSpPr>
-          <p:cNvPr id="16" name="Rectangle 15">
-            <a:extLst>
-              <a:ext uri="{FF2B5EF4-FFF2-40B4-BE49-F238E27FC236}">
-                <a16:creationId xmlns:a16="http://schemas.microsoft.com/office/drawing/2014/main" id="{A6D7111A-21E5-4EE9-8A78-10E5530F0116}"/>
-              </a:ext>
-              <a:ext uri="{C183D7F6-B498-43B3-948B-1728B52AA6E4}">
-                <adec:decorative xmlns:adec="http://schemas.microsoft.com/office/drawing/2017/decorative" val="1"/>
-              </a:ext>
-            </a:extLst>
-          </p:cNvPr>
-          <p:cNvSpPr>
-            <a:spLocks noGrp="1" noRot="1" noChangeAspect="1" noMove="1" noResize="1" noEditPoints="1" noAdjustHandles="1" noChangeArrowheads="1" noChangeShapeType="1" noTextEdit="1"/>
-          </p:cNvSpPr>
-          <p:nvPr>
-            <p:extLst>
-              <p:ext uri="{386F3935-93C4-4BCD-93E2-E3B085C9AB24}">
-                <p16:designElem xmlns:p16="http://schemas.microsoft.com/office/powerpoint/2015/main" val="1"/>
-              </p:ext>
-            </p:extLst>
-          </p:nvPr>
-        </p:nvSpPr>
-        <p:spPr>
-          <a:xfrm rot="2700000">
-            <a:off x="10262924" y="1465780"/>
-            <a:ext cx="1185708" cy="1185708"/>
-          </a:xfrm>
-          <a:prstGeom prst="rect">
-            <a:avLst/>
-          </a:prstGeom>
-          <a:solidFill>
-            <a:schemeClr val="accent1">
-              <a:alpha val="30000"/>
-            </a:schemeClr>
-          </a:solidFill>
-          <a:ln>
-            <a:noFill/>
-          </a:ln>
-        </p:spPr>
-        <p:style>
-          <a:lnRef idx="2">
-            <a:schemeClr val="accent1">
-              <a:shade val="50000"/>
-            </a:schemeClr>
-          </a:lnRef>
-          <a:fillRef idx="1">
-            <a:schemeClr val="accent1"/>
-          </a:fillRef>
-          <a:effectRef idx="0">
-            <a:schemeClr val="accent1"/>
-          </a:effectRef>
-          <a:fontRef idx="minor">
-            <a:schemeClr val="lt1"/>
-          </a:fontRef>
-        </p:style>
-        <p:txBody>
-          <a:bodyPr wrap="square" rtlCol="0" anchor="ctr">
-            <a:noAutofit/>
-          </a:bodyPr>
-          <a:lstStyle/>
-          <a:p>
-            <a:pPr algn="ctr"/>
-            <a:endParaRPr lang="en-US"/>
-          </a:p>
-        </p:txBody>
-      </p:sp>
-      <p:sp>
-        <p:nvSpPr>
-          <p:cNvPr id="18" name="Freeform: Shape 17">
-            <a:extLst>
-              <a:ext uri="{FF2B5EF4-FFF2-40B4-BE49-F238E27FC236}">
-                <a16:creationId xmlns:a16="http://schemas.microsoft.com/office/drawing/2014/main" id="{A3969E80-A77B-49FC-9122-D89AFD5EE118}"/>
-              </a:ext>
-              <a:ext uri="{C183D7F6-B498-43B3-948B-1728B52AA6E4}">
-                <adec:decorative xmlns:adec="http://schemas.microsoft.com/office/drawing/2017/decorative" val="1"/>
-              </a:ext>
-            </a:extLst>
-          </p:cNvPr>
-          <p:cNvSpPr>
-            <a:spLocks noGrp="1" noRot="1" noChangeAspect="1" noMove="1" noResize="1" noEditPoints="1" noAdjustHandles="1" noChangeArrowheads="1" noChangeShapeType="1" noTextEdit="1"/>
-          </p:cNvSpPr>
-          <p:nvPr>
-            <p:extLst>
-              <p:ext uri="{386F3935-93C4-4BCD-93E2-E3B085C9AB24}">
-                <p16:designElem xmlns:p16="http://schemas.microsoft.com/office/powerpoint/2015/main" val="1"/>
-              </p:ext>
-            </p:extLst>
-          </p:nvPr>
-        </p:nvSpPr>
-        <p:spPr>
-          <a:xfrm rot="2700000">
-            <a:off x="-29557" y="5198743"/>
-            <a:ext cx="2444907" cy="2366116"/>
-          </a:xfrm>
-          <a:custGeom>
-            <a:avLst/>
-            <a:gdLst>
-              <a:gd name="connsiteX0" fmla="*/ 0 w 2203753"/>
-              <a:gd name="connsiteY0" fmla="*/ 0 h 2132734"/>
-              <a:gd name="connsiteX1" fmla="*/ 2203753 w 2203753"/>
-              <a:gd name="connsiteY1" fmla="*/ 0 h 2132734"/>
-              <a:gd name="connsiteX2" fmla="*/ 2203753 w 2203753"/>
-              <a:gd name="connsiteY2" fmla="*/ 576461 h 2132734"/>
-              <a:gd name="connsiteX3" fmla="*/ 647480 w 2203753"/>
-              <a:gd name="connsiteY3" fmla="*/ 2132734 h 2132734"/>
-              <a:gd name="connsiteX4" fmla="*/ 0 w 2203753"/>
-              <a:gd name="connsiteY4" fmla="*/ 1485255 h 2132734"/>
-            </a:gdLst>
-            <a:ahLst/>
-            <a:cxnLst>
-              <a:cxn ang="0">
-                <a:pos x="connsiteX0" y="connsiteY0"/>
-              </a:cxn>
-              <a:cxn ang="0">
-                <a:pos x="connsiteX1" y="connsiteY1"/>
-              </a:cxn>
-              <a:cxn ang="0">
-                <a:pos x="connsiteX2" y="connsiteY2"/>
-              </a:cxn>
-              <a:cxn ang="0">
-                <a:pos x="connsiteX3" y="connsiteY3"/>
-              </a:cxn>
-              <a:cxn ang="0">
-                <a:pos x="connsiteX4" y="connsiteY4"/>
-              </a:cxn>
-            </a:cxnLst>
-            <a:rect l="l" t="t" r="r" b="b"/>
-            <a:pathLst>
-              <a:path w="2203753" h="2132734">
-                <a:moveTo>
-                  <a:pt x="0" y="0"/>
-                </a:moveTo>
-                <a:lnTo>
-                  <a:pt x="2203753" y="0"/>
-                </a:lnTo>
-                <a:lnTo>
-                  <a:pt x="2203753" y="576461"/>
-                </a:lnTo>
-                <a:lnTo>
-                  <a:pt x="647480" y="2132734"/>
-                </a:lnTo>
-                <a:lnTo>
-                  <a:pt x="0" y="1485255"/>
-                </a:lnTo>
-                <a:close/>
-              </a:path>
-            </a:pathLst>
-          </a:custGeom>
-          <a:solidFill>
-            <a:schemeClr val="accent1">
-              <a:alpha val="30000"/>
-            </a:schemeClr>
-          </a:solidFill>
-          <a:ln>
-            <a:noFill/>
-          </a:ln>
-        </p:spPr>
-        <p:style>
-          <a:lnRef idx="2">
-            <a:schemeClr val="accent1">
-              <a:shade val="50000"/>
-            </a:schemeClr>
-          </a:lnRef>
-          <a:fillRef idx="1">
-            <a:schemeClr val="accent1"/>
-          </a:fillRef>
-          <a:effectRef idx="0">
-            <a:schemeClr val="accent1"/>
-          </a:effectRef>
-          <a:fontRef idx="minor">
-            <a:schemeClr val="lt1"/>
-          </a:fontRef>
-        </p:style>
-        <p:txBody>
-          <a:bodyPr wrap="square" rtlCol="0" anchor="ctr">
-            <a:noAutofit/>
-          </a:bodyPr>
-          <a:lstStyle/>
-          <a:p>
-            <a:pPr algn="ctr"/>
-            <a:endParaRPr lang="en-US"/>
-          </a:p>
-        </p:txBody>
-      </p:sp>
-      <p:sp>
-        <p:nvSpPr>
-          <p:cNvPr id="20" name="Rectangle 19">
-            <a:extLst>
-              <a:ext uri="{FF2B5EF4-FFF2-40B4-BE49-F238E27FC236}">
-                <a16:creationId xmlns:a16="http://schemas.microsoft.com/office/drawing/2014/main" id="{1849CA57-76BD-4CF2-80BA-D7A46A01B7B1}"/>
-              </a:ext>
-              <a:ext uri="{C183D7F6-B498-43B3-948B-1728B52AA6E4}">
-                <adec:decorative xmlns:adec="http://schemas.microsoft.com/office/drawing/2017/decorative" val="1"/>
-              </a:ext>
-            </a:extLst>
-          </p:cNvPr>
-          <p:cNvSpPr>
-            <a:spLocks noGrp="1" noRot="1" noChangeAspect="1" noMove="1" noResize="1" noEditPoints="1" noAdjustHandles="1" noChangeArrowheads="1" noChangeShapeType="1" noTextEdit="1"/>
-          </p:cNvSpPr>
-          <p:nvPr>
-            <p:extLst>
-              <p:ext uri="{386F3935-93C4-4BCD-93E2-E3B085C9AB24}">
-                <p16:designElem xmlns:p16="http://schemas.microsoft.com/office/powerpoint/2015/main" val="1"/>
-              </p:ext>
-            </p:extLst>
-          </p:nvPr>
-        </p:nvSpPr>
-        <p:spPr>
-          <a:xfrm rot="2700000">
-            <a:off x="1769787" y="5439893"/>
-            <a:ext cx="928467" cy="928467"/>
-          </a:xfrm>
-          <a:prstGeom prst="rect">
-            <a:avLst/>
-          </a:prstGeom>
-          <a:solidFill>
-            <a:schemeClr val="accent1">
-              <a:alpha val="30000"/>
-            </a:schemeClr>
-          </a:solidFill>
-          <a:ln>
-            <a:noFill/>
-          </a:ln>
-        </p:spPr>
-        <p:style>
-          <a:lnRef idx="2">
-            <a:schemeClr val="accent1">
-              <a:shade val="50000"/>
-            </a:schemeClr>
-          </a:lnRef>
-          <a:fillRef idx="1">
-            <a:schemeClr val="accent1"/>
-          </a:fillRef>
-          <a:effectRef idx="0">
-            <a:schemeClr val="accent1"/>
-          </a:effectRef>
-          <a:fontRef idx="minor">
-            <a:schemeClr val="lt1"/>
-          </a:fontRef>
-        </p:style>
-        <p:txBody>
-          <a:bodyPr wrap="square" rtlCol="0" anchor="ctr">
-            <a:noAutofit/>
-          </a:bodyPr>
-          <a:lstStyle/>
-          <a:p>
-            <a:pPr algn="ctr"/>
-            <a:endParaRPr lang="en-US">
-              <a:solidFill>
-                <a:srgbClr val="FFFFFF"/>
-              </a:solidFill>
-              <a:effectLst>
-                <a:outerShdw blurRad="38100" dist="38100" dir="2700000" algn="tl">
-                  <a:srgbClr val="000000">
-                    <a:alpha val="43137"/>
-                  </a:srgbClr>
-                </a:outerShdw>
-              </a:effectLst>
-            </a:endParaRPr>
-          </a:p>
-        </p:txBody>
-      </p:sp>
-      <p:sp>
-        <p:nvSpPr>
-          <p:cNvPr id="22" name="Freeform: Shape 21">
-            <a:extLst>
-              <a:ext uri="{FF2B5EF4-FFF2-40B4-BE49-F238E27FC236}">
-                <a16:creationId xmlns:a16="http://schemas.microsoft.com/office/drawing/2014/main" id="{35E9085E-E730-4768-83D4-6CB7E9897153}"/>
-              </a:ext>
-              <a:ext uri="{C183D7F6-B498-43B3-948B-1728B52AA6E4}">
-                <adec:decorative xmlns:adec="http://schemas.microsoft.com/office/drawing/2017/decorative" val="1"/>
-              </a:ext>
-            </a:extLst>
-          </p:cNvPr>
-          <p:cNvSpPr>
-            <a:spLocks noGrp="1" noRot="1" noChangeAspect="1" noMove="1" noResize="1" noEditPoints="1" noAdjustHandles="1" noChangeArrowheads="1" noChangeShapeType="1" noTextEdit="1"/>
-          </p:cNvSpPr>
-          <p:nvPr>
-            <p:extLst>
-              <p:ext uri="{386F3935-93C4-4BCD-93E2-E3B085C9AB24}">
-                <p16:designElem xmlns:p16="http://schemas.microsoft.com/office/powerpoint/2015/main" val="1"/>
-              </p:ext>
-            </p:extLst>
-          </p:nvPr>
-        </p:nvSpPr>
-        <p:spPr>
-          <a:xfrm rot="2700000">
-            <a:off x="3401311" y="734311"/>
-            <a:ext cx="5389379" cy="5389379"/>
-          </a:xfrm>
-          <a:custGeom>
-            <a:avLst/>
-            <a:gdLst>
-              <a:gd name="connsiteX0" fmla="*/ 0 w 5389379"/>
-              <a:gd name="connsiteY0" fmla="*/ 540040 h 5389379"/>
-              <a:gd name="connsiteX1" fmla="*/ 540040 w 5389379"/>
-              <a:gd name="connsiteY1" fmla="*/ 0 h 5389379"/>
-              <a:gd name="connsiteX2" fmla="*/ 5389379 w 5389379"/>
-              <a:gd name="connsiteY2" fmla="*/ 0 h 5389379"/>
-              <a:gd name="connsiteX3" fmla="*/ 5389379 w 5389379"/>
-              <a:gd name="connsiteY3" fmla="*/ 4838655 h 5389379"/>
-              <a:gd name="connsiteX4" fmla="*/ 4838655 w 5389379"/>
-              <a:gd name="connsiteY4" fmla="*/ 5389379 h 5389379"/>
-              <a:gd name="connsiteX5" fmla="*/ 0 w 5389379"/>
-              <a:gd name="connsiteY5" fmla="*/ 5389379 h 5389379"/>
-            </a:gdLst>
-            <a:ahLst/>
-            <a:cxnLst>
-              <a:cxn ang="0">
-                <a:pos x="connsiteX0" y="connsiteY0"/>
-              </a:cxn>
-              <a:cxn ang="0">
-                <a:pos x="connsiteX1" y="connsiteY1"/>
-              </a:cxn>
-              <a:cxn ang="0">
-                <a:pos x="connsiteX2" y="connsiteY2"/>
-              </a:cxn>
-              <a:cxn ang="0">
-                <a:pos x="connsiteX3" y="connsiteY3"/>
-              </a:cxn>
-              <a:cxn ang="0">
-                <a:pos x="connsiteX4" y="connsiteY4"/>
-              </a:cxn>
-              <a:cxn ang="0">
-                <a:pos x="connsiteX5" y="connsiteY5"/>
-              </a:cxn>
-            </a:cxnLst>
-            <a:rect l="l" t="t" r="r" b="b"/>
-            <a:pathLst>
-              <a:path w="5389379" h="5389379">
-                <a:moveTo>
-                  <a:pt x="0" y="540040"/>
-                </a:moveTo>
-                <a:lnTo>
-                  <a:pt x="540040" y="0"/>
-                </a:lnTo>
-                <a:lnTo>
-                  <a:pt x="5389379" y="0"/>
-                </a:lnTo>
-                <a:lnTo>
-                  <a:pt x="5389379" y="4838655"/>
-                </a:lnTo>
-                <a:lnTo>
-                  <a:pt x="4838655" y="5389379"/>
-                </a:lnTo>
-                <a:lnTo>
-                  <a:pt x="0" y="5389379"/>
-                </a:lnTo>
-                <a:close/>
-              </a:path>
-            </a:pathLst>
-          </a:custGeom>
-          <a:solidFill>
-            <a:srgbClr val="FFFFFF"/>
-          </a:solidFill>
-          <a:ln>
-            <a:noFill/>
-          </a:ln>
-        </p:spPr>
-        <p:style>
-          <a:lnRef idx="2">
-            <a:schemeClr val="accent1">
-              <a:shade val="50000"/>
-            </a:schemeClr>
-          </a:lnRef>
-          <a:fillRef idx="1">
-            <a:schemeClr val="accent1"/>
-          </a:fillRef>
-          <a:effectRef idx="0">
-            <a:schemeClr val="accent1"/>
-          </a:effectRef>
-          <a:fontRef idx="minor">
-            <a:schemeClr val="lt1"/>
-          </a:fontRef>
-        </p:style>
-        <p:txBody>
-          <a:bodyPr wrap="square" rtlCol="0" anchor="ctr">
-            <a:noAutofit/>
-          </a:bodyPr>
-          <a:lstStyle/>
-          <a:p>
-            <a:pPr algn="ctr"/>
-            <a:endParaRPr lang="en-US"/>
-          </a:p>
-        </p:txBody>
-      </p:sp>
-      <p:sp>
-        <p:nvSpPr>
-          <p:cNvPr id="24" name="Freeform: Shape 23">
-            <a:extLst>
-              <a:ext uri="{FF2B5EF4-FFF2-40B4-BE49-F238E27FC236}">
-                <a16:creationId xmlns:a16="http://schemas.microsoft.com/office/drawing/2014/main" id="{973272FE-A474-4CAE-8CA2-BCC8B476C3F4}"/>
-              </a:ext>
-              <a:ext uri="{C183D7F6-B498-43B3-948B-1728B52AA6E4}">
-                <adec:decorative xmlns:adec="http://schemas.microsoft.com/office/drawing/2017/decorative" val="1"/>
-              </a:ext>
-            </a:extLst>
-          </p:cNvPr>
-          <p:cNvSpPr>
-            <a:spLocks noGrp="1" noRot="1" noChangeAspect="1" noMove="1" noResize="1" noEditPoints="1" noAdjustHandles="1" noChangeArrowheads="1" noChangeShapeType="1" noTextEdit="1"/>
-          </p:cNvSpPr>
-          <p:nvPr>
-            <p:extLst>
-              <p:ext uri="{386F3935-93C4-4BCD-93E2-E3B085C9AB24}">
-                <p16:designElem xmlns:p16="http://schemas.microsoft.com/office/powerpoint/2015/main" val="1"/>
-              </p:ext>
-            </p:extLst>
-          </p:nvPr>
-        </p:nvSpPr>
-        <p:spPr>
-          <a:xfrm rot="2700000">
-            <a:off x="2700283" y="33283"/>
-            <a:ext cx="6791435" cy="6791435"/>
-          </a:xfrm>
-          <a:custGeom>
-            <a:avLst/>
-            <a:gdLst>
-              <a:gd name="connsiteX0" fmla="*/ 1860938 w 6791435"/>
-              <a:gd name="connsiteY0" fmla="*/ 81158 h 6791435"/>
-              <a:gd name="connsiteX1" fmla="*/ 1942096 w 6791435"/>
-              <a:gd name="connsiteY1" fmla="*/ 0 h 6791435"/>
-              <a:gd name="connsiteX2" fmla="*/ 6791435 w 6791435"/>
-              <a:gd name="connsiteY2" fmla="*/ 0 h 6791435"/>
-              <a:gd name="connsiteX3" fmla="*/ 6791435 w 6791435"/>
-              <a:gd name="connsiteY3" fmla="*/ 4838655 h 6791435"/>
-              <a:gd name="connsiteX4" fmla="*/ 6710277 w 6791435"/>
-              <a:gd name="connsiteY4" fmla="*/ 4919813 h 6791435"/>
-              <a:gd name="connsiteX5" fmla="*/ 6710277 w 6791435"/>
-              <a:gd name="connsiteY5" fmla="*/ 81158 h 6791435"/>
-              <a:gd name="connsiteX6" fmla="*/ 0 w 6791435"/>
-              <a:gd name="connsiteY6" fmla="*/ 1942096 h 6791435"/>
-              <a:gd name="connsiteX7" fmla="*/ 81158 w 6791435"/>
-              <a:gd name="connsiteY7" fmla="*/ 1860938 h 6791435"/>
-              <a:gd name="connsiteX8" fmla="*/ 81158 w 6791435"/>
-              <a:gd name="connsiteY8" fmla="*/ 6710277 h 6791435"/>
-              <a:gd name="connsiteX9" fmla="*/ 4919813 w 6791435"/>
-              <a:gd name="connsiteY9" fmla="*/ 6710277 h 6791435"/>
-              <a:gd name="connsiteX10" fmla="*/ 4838655 w 6791435"/>
-              <a:gd name="connsiteY10" fmla="*/ 6791435 h 6791435"/>
-              <a:gd name="connsiteX11" fmla="*/ 0 w 6791435"/>
-              <a:gd name="connsiteY11" fmla="*/ 6791435 h 6791435"/>
+              <a:gd name="connsiteX0" fmla="*/ 0 w 5410200"/>
+              <a:gd name="connsiteY0" fmla="*/ 0 h 18288"/>
+              <a:gd name="connsiteX1" fmla="*/ 568071 w 5410200"/>
+              <a:gd name="connsiteY1" fmla="*/ 0 h 18288"/>
+              <a:gd name="connsiteX2" fmla="*/ 1298448 w 5410200"/>
+              <a:gd name="connsiteY2" fmla="*/ 0 h 18288"/>
+              <a:gd name="connsiteX3" fmla="*/ 1920621 w 5410200"/>
+              <a:gd name="connsiteY3" fmla="*/ 0 h 18288"/>
+              <a:gd name="connsiteX4" fmla="*/ 2488692 w 5410200"/>
+              <a:gd name="connsiteY4" fmla="*/ 0 h 18288"/>
+              <a:gd name="connsiteX5" fmla="*/ 3219069 w 5410200"/>
+              <a:gd name="connsiteY5" fmla="*/ 0 h 18288"/>
+              <a:gd name="connsiteX6" fmla="*/ 3895344 w 5410200"/>
+              <a:gd name="connsiteY6" fmla="*/ 0 h 18288"/>
+              <a:gd name="connsiteX7" fmla="*/ 4571619 w 5410200"/>
+              <a:gd name="connsiteY7" fmla="*/ 0 h 18288"/>
+              <a:gd name="connsiteX8" fmla="*/ 5410200 w 5410200"/>
+              <a:gd name="connsiteY8" fmla="*/ 0 h 18288"/>
+              <a:gd name="connsiteX9" fmla="*/ 5410200 w 5410200"/>
+              <a:gd name="connsiteY9" fmla="*/ 18288 h 18288"/>
+              <a:gd name="connsiteX10" fmla="*/ 4842129 w 5410200"/>
+              <a:gd name="connsiteY10" fmla="*/ 18288 h 18288"/>
+              <a:gd name="connsiteX11" fmla="*/ 4328160 w 5410200"/>
+              <a:gd name="connsiteY11" fmla="*/ 18288 h 18288"/>
+              <a:gd name="connsiteX12" fmla="*/ 3597783 w 5410200"/>
+              <a:gd name="connsiteY12" fmla="*/ 18288 h 18288"/>
+              <a:gd name="connsiteX13" fmla="*/ 3029712 w 5410200"/>
+              <a:gd name="connsiteY13" fmla="*/ 18288 h 18288"/>
+              <a:gd name="connsiteX14" fmla="*/ 2299335 w 5410200"/>
+              <a:gd name="connsiteY14" fmla="*/ 18288 h 18288"/>
+              <a:gd name="connsiteX15" fmla="*/ 1514856 w 5410200"/>
+              <a:gd name="connsiteY15" fmla="*/ 18288 h 18288"/>
+              <a:gd name="connsiteX16" fmla="*/ 892683 w 5410200"/>
+              <a:gd name="connsiteY16" fmla="*/ 18288 h 18288"/>
+              <a:gd name="connsiteX17" fmla="*/ 0 w 5410200"/>
+              <a:gd name="connsiteY17" fmla="*/ 18288 h 18288"/>
+              <a:gd name="connsiteX18" fmla="*/ 0 w 5410200"/>
+              <a:gd name="connsiteY18" fmla="*/ 0 h 18288"/>
             </a:gdLst>
             <a:ahLst/>
             <a:cxnLst>
@@ -4224,58 +3587,244 @@
               <a:cxn ang="0">
                 <a:pos x="connsiteX11" y="connsiteY11"/>
               </a:cxn>
+              <a:cxn ang="0">
+                <a:pos x="connsiteX12" y="connsiteY12"/>
+              </a:cxn>
+              <a:cxn ang="0">
+                <a:pos x="connsiteX13" y="connsiteY13"/>
+              </a:cxn>
+              <a:cxn ang="0">
+                <a:pos x="connsiteX14" y="connsiteY14"/>
+              </a:cxn>
+              <a:cxn ang="0">
+                <a:pos x="connsiteX15" y="connsiteY15"/>
+              </a:cxn>
+              <a:cxn ang="0">
+                <a:pos x="connsiteX16" y="connsiteY16"/>
+              </a:cxn>
+              <a:cxn ang="0">
+                <a:pos x="connsiteX17" y="connsiteY17"/>
+              </a:cxn>
+              <a:cxn ang="0">
+                <a:pos x="connsiteX18" y="connsiteY18"/>
+              </a:cxn>
             </a:cxnLst>
             <a:rect l="l" t="t" r="r" b="b"/>
             <a:pathLst>
-              <a:path w="6791435" h="6791435">
+              <a:path w="5410200" h="18288" fill="none" extrusionOk="0">
                 <a:moveTo>
-                  <a:pt x="1860938" y="81158"/>
+                  <a:pt x="0" y="0"/>
                 </a:moveTo>
-                <a:lnTo>
-                  <a:pt x="1942096" y="0"/>
-                </a:lnTo>
-                <a:lnTo>
-                  <a:pt x="6791435" y="0"/>
-                </a:lnTo>
-                <a:lnTo>
-                  <a:pt x="6791435" y="4838655"/>
-                </a:lnTo>
-                <a:lnTo>
-                  <a:pt x="6710277" y="4919813"/>
-                </a:lnTo>
-                <a:lnTo>
-                  <a:pt x="6710277" y="81158"/>
-                </a:lnTo>
+                <a:cubicBezTo>
+                  <a:pt x="163050" y="-18707"/>
+                  <a:pt x="319321" y="-16364"/>
+                  <a:pt x="568071" y="0"/>
+                </a:cubicBezTo>
+                <a:cubicBezTo>
+                  <a:pt x="816821" y="16364"/>
+                  <a:pt x="1013224" y="-7268"/>
+                  <a:pt x="1298448" y="0"/>
+                </a:cubicBezTo>
+                <a:cubicBezTo>
+                  <a:pt x="1583672" y="7268"/>
+                  <a:pt x="1631711" y="-3367"/>
+                  <a:pt x="1920621" y="0"/>
+                </a:cubicBezTo>
+                <a:cubicBezTo>
+                  <a:pt x="2209531" y="3367"/>
+                  <a:pt x="2364420" y="-19184"/>
+                  <a:pt x="2488692" y="0"/>
+                </a:cubicBezTo>
+                <a:cubicBezTo>
+                  <a:pt x="2612964" y="19184"/>
+                  <a:pt x="3023298" y="-34627"/>
+                  <a:pt x="3219069" y="0"/>
+                </a:cubicBezTo>
+                <a:cubicBezTo>
+                  <a:pt x="3414840" y="34627"/>
+                  <a:pt x="3656810" y="24043"/>
+                  <a:pt x="3895344" y="0"/>
+                </a:cubicBezTo>
+                <a:cubicBezTo>
+                  <a:pt x="4133879" y="-24043"/>
+                  <a:pt x="4393984" y="-19577"/>
+                  <a:pt x="4571619" y="0"/>
+                </a:cubicBezTo>
+                <a:cubicBezTo>
+                  <a:pt x="4749255" y="19577"/>
+                  <a:pt x="5179928" y="-6281"/>
+                  <a:pt x="5410200" y="0"/>
+                </a:cubicBezTo>
+                <a:cubicBezTo>
+                  <a:pt x="5410730" y="6954"/>
+                  <a:pt x="5410934" y="12839"/>
+                  <a:pt x="5410200" y="18288"/>
+                </a:cubicBezTo>
+                <a:cubicBezTo>
+                  <a:pt x="5139060" y="6751"/>
+                  <a:pt x="5121593" y="31035"/>
+                  <a:pt x="4842129" y="18288"/>
+                </a:cubicBezTo>
+                <a:cubicBezTo>
+                  <a:pt x="4562665" y="5541"/>
+                  <a:pt x="4448273" y="9487"/>
+                  <a:pt x="4328160" y="18288"/>
+                </a:cubicBezTo>
+                <a:cubicBezTo>
+                  <a:pt x="4208047" y="27089"/>
+                  <a:pt x="3760936" y="22567"/>
+                  <a:pt x="3597783" y="18288"/>
+                </a:cubicBezTo>
+                <a:cubicBezTo>
+                  <a:pt x="3434630" y="14009"/>
+                  <a:pt x="3299718" y="33213"/>
+                  <a:pt x="3029712" y="18288"/>
+                </a:cubicBezTo>
+                <a:cubicBezTo>
+                  <a:pt x="2759706" y="3363"/>
+                  <a:pt x="2640159" y="27394"/>
+                  <a:pt x="2299335" y="18288"/>
+                </a:cubicBezTo>
+                <a:cubicBezTo>
+                  <a:pt x="1958511" y="9182"/>
+                  <a:pt x="1801186" y="28985"/>
+                  <a:pt x="1514856" y="18288"/>
+                </a:cubicBezTo>
+                <a:cubicBezTo>
+                  <a:pt x="1228526" y="7591"/>
+                  <a:pt x="1063509" y="-5305"/>
+                  <a:pt x="892683" y="18288"/>
+                </a:cubicBezTo>
+                <a:cubicBezTo>
+                  <a:pt x="721857" y="41881"/>
+                  <a:pt x="186945" y="-20897"/>
+                  <a:pt x="0" y="18288"/>
+                </a:cubicBezTo>
+                <a:cubicBezTo>
+                  <a:pt x="-570" y="9279"/>
+                  <a:pt x="132" y="5100"/>
+                  <a:pt x="0" y="0"/>
+                </a:cubicBezTo>
                 <a:close/>
+              </a:path>
+              <a:path w="5410200" h="18288" stroke="0" extrusionOk="0">
                 <a:moveTo>
-                  <a:pt x="0" y="1942096"/>
+                  <a:pt x="0" y="0"/>
                 </a:moveTo>
-                <a:lnTo>
-                  <a:pt x="81158" y="1860938"/>
-                </a:lnTo>
-                <a:lnTo>
-                  <a:pt x="81158" y="6710277"/>
-                </a:lnTo>
-                <a:lnTo>
-                  <a:pt x="4919813" y="6710277"/>
-                </a:lnTo>
-                <a:lnTo>
-                  <a:pt x="4838655" y="6791435"/>
-                </a:lnTo>
-                <a:lnTo>
-                  <a:pt x="0" y="6791435"/>
-                </a:lnTo>
+                <a:cubicBezTo>
+                  <a:pt x="285096" y="-4925"/>
+                  <a:pt x="376456" y="22268"/>
+                  <a:pt x="622173" y="0"/>
+                </a:cubicBezTo>
+                <a:cubicBezTo>
+                  <a:pt x="867890" y="-22268"/>
+                  <a:pt x="1031392" y="7228"/>
+                  <a:pt x="1136142" y="0"/>
+                </a:cubicBezTo>
+                <a:cubicBezTo>
+                  <a:pt x="1240892" y="-7228"/>
+                  <a:pt x="1561853" y="9877"/>
+                  <a:pt x="1920621" y="0"/>
+                </a:cubicBezTo>
+                <a:cubicBezTo>
+                  <a:pt x="2279389" y="-9877"/>
+                  <a:pt x="2367255" y="19546"/>
+                  <a:pt x="2542794" y="0"/>
+                </a:cubicBezTo>
+                <a:cubicBezTo>
+                  <a:pt x="2718333" y="-19546"/>
+                  <a:pt x="2866732" y="-22226"/>
+                  <a:pt x="3164967" y="0"/>
+                </a:cubicBezTo>
+                <a:cubicBezTo>
+                  <a:pt x="3463202" y="22226"/>
+                  <a:pt x="3568055" y="-2765"/>
+                  <a:pt x="3949446" y="0"/>
+                </a:cubicBezTo>
+                <a:cubicBezTo>
+                  <a:pt x="4330837" y="2765"/>
+                  <a:pt x="4287895" y="10557"/>
+                  <a:pt x="4517517" y="0"/>
+                </a:cubicBezTo>
+                <a:cubicBezTo>
+                  <a:pt x="4747139" y="-10557"/>
+                  <a:pt x="5149588" y="8716"/>
+                  <a:pt x="5410200" y="0"/>
+                </a:cubicBezTo>
+                <a:cubicBezTo>
+                  <a:pt x="5409517" y="5414"/>
+                  <a:pt x="5409480" y="12510"/>
+                  <a:pt x="5410200" y="18288"/>
+                </a:cubicBezTo>
+                <a:cubicBezTo>
+                  <a:pt x="5163327" y="41494"/>
+                  <a:pt x="5008749" y="10693"/>
+                  <a:pt x="4842129" y="18288"/>
+                </a:cubicBezTo>
+                <a:cubicBezTo>
+                  <a:pt x="4675509" y="25883"/>
+                  <a:pt x="4433401" y="-615"/>
+                  <a:pt x="4165854" y="18288"/>
+                </a:cubicBezTo>
+                <a:cubicBezTo>
+                  <a:pt x="3898308" y="37191"/>
+                  <a:pt x="3809032" y="-8710"/>
+                  <a:pt x="3543681" y="18288"/>
+                </a:cubicBezTo>
+                <a:cubicBezTo>
+                  <a:pt x="3278330" y="45286"/>
+                  <a:pt x="3073876" y="-15917"/>
+                  <a:pt x="2759202" y="18288"/>
+                </a:cubicBezTo>
+                <a:cubicBezTo>
+                  <a:pt x="2444528" y="52493"/>
+                  <a:pt x="2204144" y="3372"/>
+                  <a:pt x="1974723" y="18288"/>
+                </a:cubicBezTo>
+                <a:cubicBezTo>
+                  <a:pt x="1745302" y="33204"/>
+                  <a:pt x="1602335" y="31490"/>
+                  <a:pt x="1406652" y="18288"/>
+                </a:cubicBezTo>
+                <a:cubicBezTo>
+                  <a:pt x="1210969" y="5086"/>
+                  <a:pt x="923948" y="3161"/>
+                  <a:pt x="730377" y="18288"/>
+                </a:cubicBezTo>
+                <a:cubicBezTo>
+                  <a:pt x="536806" y="33415"/>
+                  <a:pt x="336496" y="-141"/>
+                  <a:pt x="0" y="18288"/>
+                </a:cubicBezTo>
+                <a:cubicBezTo>
+                  <a:pt x="-306" y="11061"/>
+                  <a:pt x="-655" y="7751"/>
+                  <a:pt x="0" y="0"/>
+                </a:cubicBezTo>
                 <a:close/>
               </a:path>
             </a:pathLst>
           </a:custGeom>
           <a:solidFill>
-            <a:srgbClr val="FFFFFF">
-              <a:alpha val="60000"/>
-            </a:srgbClr>
+            <a:schemeClr val="accent2"/>
           </a:solidFill>
-          <a:ln>
-            <a:noFill/>
+          <a:ln w="41275" cap="rnd">
+            <a:solidFill>
+              <a:schemeClr val="accent2"/>
+            </a:solidFill>
+            <a:round/>
+            <a:extLst>
+              <a:ext uri="{C807C97D-BFC1-408E-A445-0C87EB9F89A2}">
+                <ask:lineSketchStyleProps xmlns:ask="http://schemas.microsoft.com/office/drawing/2018/sketchyshapes" sd="1219033472">
+                  <a:prstGeom prst="rect">
+                    <a:avLst/>
+                  </a:prstGeom>
+                  <ask:type>
+                    <ask:lineSketchFreehand/>
+                  </ask:type>
+                </ask:lineSketchStyleProps>
+              </a:ext>
+            </a:extLst>
           </a:ln>
         </p:spPr>
         <p:style>
@@ -4295,270 +3844,7 @@
           </a:fontRef>
         </p:style>
         <p:txBody>
-          <a:bodyPr wrap="square" rtlCol="0" anchor="ctr">
-            <a:noAutofit/>
-          </a:bodyPr>
-          <a:lstStyle/>
-          <a:p>
-            <a:pPr algn="ctr"/>
-            <a:endParaRPr lang="en-US">
-              <a:solidFill>
-                <a:schemeClr val="tx1"/>
-              </a:solidFill>
-            </a:endParaRPr>
-          </a:p>
-        </p:txBody>
-      </p:sp>
-      <p:sp>
-        <p:nvSpPr>
-          <p:cNvPr id="3" name="Subtitle 2">
-            <a:extLst>
-              <a:ext uri="{FF2B5EF4-FFF2-40B4-BE49-F238E27FC236}">
-                <a16:creationId xmlns:a16="http://schemas.microsoft.com/office/drawing/2014/main" id="{19A6D909-C776-4531-A80E-39F151DA5A61}"/>
-              </a:ext>
-            </a:extLst>
-          </p:cNvPr>
-          <p:cNvSpPr>
-            <a:spLocks noGrp="1"/>
-          </p:cNvSpPr>
-          <p:nvPr>
-            <p:ph type="subTitle" idx="1"/>
-          </p:nvPr>
-        </p:nvSpPr>
-        <p:spPr>
-          <a:xfrm>
-            <a:off x="4439633" y="4518923"/>
-            <a:ext cx="3312734" cy="1141851"/>
-          </a:xfrm>
-          <a:noFill/>
-        </p:spPr>
-        <p:txBody>
-          <a:bodyPr>
-            <a:normAutofit/>
-          </a:bodyPr>
-          <a:lstStyle/>
-          <a:p>
-            <a:r>
-              <a:rPr lang="en-US" sz="2000" dirty="0">
-                <a:solidFill>
-                  <a:srgbClr val="080808"/>
-                </a:solidFill>
-              </a:rPr>
-              <a:t>By: Ranaldo Slowley</a:t>
-            </a:r>
-          </a:p>
-        </p:txBody>
-      </p:sp>
-      <p:sp>
-        <p:nvSpPr>
-          <p:cNvPr id="2" name="Title 1">
-            <a:extLst>
-              <a:ext uri="{FF2B5EF4-FFF2-40B4-BE49-F238E27FC236}">
-                <a16:creationId xmlns:a16="http://schemas.microsoft.com/office/drawing/2014/main" id="{FB915C3A-04BB-4DD4-B443-9ED5B202A8E7}"/>
-              </a:ext>
-            </a:extLst>
-          </p:cNvPr>
-          <p:cNvSpPr>
-            <a:spLocks noGrp="1"/>
-          </p:cNvSpPr>
-          <p:nvPr>
-            <p:ph type="ctrTitle"/>
-          </p:nvPr>
-        </p:nvSpPr>
-        <p:spPr>
-          <a:xfrm>
-            <a:off x="3204642" y="2353641"/>
-            <a:ext cx="5782716" cy="2150719"/>
-          </a:xfrm>
-          <a:noFill/>
-        </p:spPr>
-        <p:txBody>
-          <a:bodyPr anchor="ctr">
-            <a:normAutofit/>
-          </a:bodyPr>
-          <a:lstStyle/>
-          <a:p>
-            <a:r>
-              <a:rPr lang="en-US" sz="3600" dirty="0">
-                <a:solidFill>
-                  <a:srgbClr val="080808"/>
-                </a:solidFill>
-              </a:rPr>
-              <a:t>Tanzania Pump Prediction</a:t>
-            </a:r>
-          </a:p>
-        </p:txBody>
-      </p:sp>
-      <p:sp>
-        <p:nvSpPr>
-          <p:cNvPr id="26" name="Freeform: Shape 25">
-            <a:extLst>
-              <a:ext uri="{FF2B5EF4-FFF2-40B4-BE49-F238E27FC236}">
-                <a16:creationId xmlns:a16="http://schemas.microsoft.com/office/drawing/2014/main" id="{E07981EA-05A6-437C-88D7-B377B92B031D}"/>
-              </a:ext>
-              <a:ext uri="{C183D7F6-B498-43B3-948B-1728B52AA6E4}">
-                <adec:decorative xmlns:adec="http://schemas.microsoft.com/office/drawing/2017/decorative" val="1"/>
-              </a:ext>
-            </a:extLst>
-          </p:cNvPr>
-          <p:cNvSpPr>
-            <a:spLocks noGrp="1" noRot="1" noChangeAspect="1" noMove="1" noResize="1" noEditPoints="1" noAdjustHandles="1" noChangeArrowheads="1" noChangeShapeType="1" noTextEdit="1"/>
-          </p:cNvSpPr>
-          <p:nvPr>
-            <p:extLst>
-              <p:ext uri="{386F3935-93C4-4BCD-93E2-E3B085C9AB24}">
-                <p16:designElem xmlns:p16="http://schemas.microsoft.com/office/powerpoint/2015/main" val="1"/>
-              </p:ext>
-            </p:extLst>
-          </p:nvPr>
-        </p:nvSpPr>
-        <p:spPr>
-          <a:xfrm rot="2700000">
-            <a:off x="9629823" y="5457591"/>
-            <a:ext cx="2231794" cy="2568811"/>
-          </a:xfrm>
-          <a:custGeom>
-            <a:avLst/>
-            <a:gdLst>
-              <a:gd name="connsiteX0" fmla="*/ 0 w 2940086"/>
-              <a:gd name="connsiteY0" fmla="*/ 0 h 3384061"/>
-              <a:gd name="connsiteX1" fmla="*/ 2496112 w 2940086"/>
-              <a:gd name="connsiteY1" fmla="*/ 0 h 3384061"/>
-              <a:gd name="connsiteX2" fmla="*/ 2940086 w 2940086"/>
-              <a:gd name="connsiteY2" fmla="*/ 443975 h 3384061"/>
-              <a:gd name="connsiteX3" fmla="*/ 0 w 2940086"/>
-              <a:gd name="connsiteY3" fmla="*/ 3384061 h 3384061"/>
-            </a:gdLst>
-            <a:ahLst/>
-            <a:cxnLst>
-              <a:cxn ang="0">
-                <a:pos x="connsiteX0" y="connsiteY0"/>
-              </a:cxn>
-              <a:cxn ang="0">
-                <a:pos x="connsiteX1" y="connsiteY1"/>
-              </a:cxn>
-              <a:cxn ang="0">
-                <a:pos x="connsiteX2" y="connsiteY2"/>
-              </a:cxn>
-              <a:cxn ang="0">
-                <a:pos x="connsiteX3" y="connsiteY3"/>
-              </a:cxn>
-            </a:cxnLst>
-            <a:rect l="l" t="t" r="r" b="b"/>
-            <a:pathLst>
-              <a:path w="2940086" h="3384061">
-                <a:moveTo>
-                  <a:pt x="0" y="0"/>
-                </a:moveTo>
-                <a:lnTo>
-                  <a:pt x="2496112" y="0"/>
-                </a:lnTo>
-                <a:lnTo>
-                  <a:pt x="2940086" y="443975"/>
-                </a:lnTo>
-                <a:lnTo>
-                  <a:pt x="0" y="3384061"/>
-                </a:lnTo>
-                <a:close/>
-              </a:path>
-            </a:pathLst>
-          </a:custGeom>
-          <a:solidFill>
-            <a:schemeClr val="accent4">
-              <a:alpha val="40000"/>
-            </a:schemeClr>
-          </a:solidFill>
-          <a:ln>
-            <a:noFill/>
-          </a:ln>
-        </p:spPr>
-        <p:style>
-          <a:lnRef idx="2">
-            <a:schemeClr val="accent1">
-              <a:shade val="50000"/>
-            </a:schemeClr>
-          </a:lnRef>
-          <a:fillRef idx="1">
-            <a:schemeClr val="accent1"/>
-          </a:fillRef>
-          <a:effectRef idx="0">
-            <a:schemeClr val="accent1"/>
-          </a:effectRef>
-          <a:fontRef idx="minor">
-            <a:schemeClr val="lt1"/>
-          </a:fontRef>
-        </p:style>
-        <p:txBody>
-          <a:bodyPr wrap="square" rtlCol="0" anchor="ctr">
-            <a:noAutofit/>
-          </a:bodyPr>
-          <a:lstStyle/>
-          <a:p>
-            <a:pPr algn="ctr"/>
-            <a:endParaRPr lang="en-US"/>
-          </a:p>
-        </p:txBody>
-      </p:sp>
-      <p:sp>
-        <p:nvSpPr>
-          <p:cNvPr id="28" name="Rectangle 27">
-            <a:extLst>
-              <a:ext uri="{FF2B5EF4-FFF2-40B4-BE49-F238E27FC236}">
-                <a16:creationId xmlns:a16="http://schemas.microsoft.com/office/drawing/2014/main" id="{15E3C750-986E-4769-B1AE-49289FBEE757}"/>
-              </a:ext>
-              <a:ext uri="{C183D7F6-B498-43B3-948B-1728B52AA6E4}">
-                <adec:decorative xmlns:adec="http://schemas.microsoft.com/office/drawing/2017/decorative" val="1"/>
-              </a:ext>
-            </a:extLst>
-          </p:cNvPr>
-          <p:cNvSpPr>
-            <a:spLocks noGrp="1" noRot="1" noChangeAspect="1" noMove="1" noResize="1" noEditPoints="1" noAdjustHandles="1" noChangeArrowheads="1" noChangeShapeType="1" noTextEdit="1"/>
-          </p:cNvSpPr>
-          <p:nvPr>
-            <p:extLst>
-              <p:ext uri="{386F3935-93C4-4BCD-93E2-E3B085C9AB24}">
-                <p16:designElem xmlns:p16="http://schemas.microsoft.com/office/powerpoint/2015/main" val="1"/>
-              </p:ext>
-            </p:extLst>
-          </p:nvPr>
-        </p:nvSpPr>
-        <p:spPr>
-          <a:xfrm rot="2700000">
-            <a:off x="9720059" y="5243545"/>
-            <a:ext cx="959985" cy="959985"/>
-          </a:xfrm>
-          <a:prstGeom prst="rect">
-            <a:avLst/>
-          </a:prstGeom>
-          <a:solidFill>
-            <a:schemeClr val="accent4">
-              <a:alpha val="40000"/>
-            </a:schemeClr>
-          </a:solidFill>
-          <a:ln>
-            <a:noFill/>
-          </a:ln>
-        </p:spPr>
-        <p:style>
-          <a:lnRef idx="2">
-            <a:schemeClr val="accent1">
-              <a:shade val="50000"/>
-            </a:schemeClr>
-          </a:lnRef>
-          <a:fillRef idx="1">
-            <a:schemeClr val="accent1"/>
-          </a:fillRef>
-          <a:effectRef idx="0">
-            <a:schemeClr val="accent1"/>
-          </a:effectRef>
-          <a:fontRef idx="minor">
-            <a:schemeClr val="lt1"/>
-          </a:fontRef>
-        </p:style>
-        <p:txBody>
-          <a:bodyPr wrap="square" rtlCol="0" anchor="ctr">
-            <a:noAutofit/>
-          </a:bodyPr>
+          <a:bodyPr rtlCol="0" anchor="ctr"/>
           <a:lstStyle/>
           <a:p>
             <a:pPr algn="ctr"/>
@@ -4679,6 +3965,1540 @@
 </p:sld>
 </file>
 
+<file path=ppt/slides/slide10.xml><?xml version="1.0" encoding="utf-8"?>
+<p:sld xmlns:a="http://schemas.openxmlformats.org/drawingml/2006/main" xmlns:r="http://schemas.openxmlformats.org/officeDocument/2006/relationships" xmlns:p="http://schemas.openxmlformats.org/presentationml/2006/main">
+  <p:cSld>
+    <p:bg>
+      <p:bgPr>
+        <a:solidFill>
+          <a:schemeClr val="bg1"/>
+        </a:solidFill>
+        <a:effectLst/>
+      </p:bgPr>
+    </p:bg>
+    <p:spTree>
+      <p:nvGrpSpPr>
+        <p:cNvPr id="1" name=""/>
+        <p:cNvGrpSpPr/>
+        <p:nvPr/>
+      </p:nvGrpSpPr>
+      <p:grpSpPr>
+        <a:xfrm>
+          <a:off x="0" y="0"/>
+          <a:ext cx="0" cy="0"/>
+          <a:chOff x="0" y="0"/>
+          <a:chExt cx="0" cy="0"/>
+        </a:xfrm>
+      </p:grpSpPr>
+      <p:sp useBgFill="1">
+        <p:nvSpPr>
+          <p:cNvPr id="9" name="Rectangle 8">
+            <a:extLst>
+              <a:ext uri="{FF2B5EF4-FFF2-40B4-BE49-F238E27FC236}">
+                <a16:creationId xmlns:a16="http://schemas.microsoft.com/office/drawing/2014/main" id="{8FC9BE17-9A7B-462D-AE50-3D8777387304}"/>
+              </a:ext>
+              <a:ext uri="{C183D7F6-B498-43B3-948B-1728B52AA6E4}">
+                <adec:decorative xmlns:adec="http://schemas.microsoft.com/office/drawing/2017/decorative" val="1"/>
+              </a:ext>
+            </a:extLst>
+          </p:cNvPr>
+          <p:cNvSpPr>
+            <a:spLocks noGrp="1" noRot="1" noChangeAspect="1" noMove="1" noResize="1" noEditPoints="1" noAdjustHandles="1" noChangeArrowheads="1" noChangeShapeType="1" noTextEdit="1"/>
+          </p:cNvSpPr>
+          <p:nvPr>
+            <p:extLst>
+              <p:ext uri="{386F3935-93C4-4BCD-93E2-E3B085C9AB24}">
+                <p16:designElem xmlns:p16="http://schemas.microsoft.com/office/powerpoint/2015/main" val="1"/>
+              </p:ext>
+            </p:extLst>
+          </p:nvPr>
+        </p:nvSpPr>
+        <p:spPr>
+          <a:xfrm>
+            <a:off x="0" y="0"/>
+            <a:ext cx="12192000" cy="6858000"/>
+          </a:xfrm>
+          <a:prstGeom prst="rect">
+            <a:avLst/>
+          </a:prstGeom>
+          <a:ln>
+            <a:noFill/>
+          </a:ln>
+        </p:spPr>
+        <p:style>
+          <a:lnRef idx="2">
+            <a:schemeClr val="accent1">
+              <a:shade val="50000"/>
+            </a:schemeClr>
+          </a:lnRef>
+          <a:fillRef idx="1">
+            <a:schemeClr val="accent1"/>
+          </a:fillRef>
+          <a:effectRef idx="0">
+            <a:schemeClr val="accent1"/>
+          </a:effectRef>
+          <a:fontRef idx="minor">
+            <a:schemeClr val="lt1"/>
+          </a:fontRef>
+        </p:style>
+        <p:txBody>
+          <a:bodyPr rtlCol="0" anchor="ctr"/>
+          <a:lstStyle/>
+          <a:p>
+            <a:pPr algn="ctr"/>
+            <a:endParaRPr lang="en-US"/>
+          </a:p>
+        </p:txBody>
+      </p:sp>
+      <p:pic>
+        <p:nvPicPr>
+          <p:cNvPr id="5" name="Picture 4" descr="Pattern created by river delta taken from above">
+            <a:extLst>
+              <a:ext uri="{FF2B5EF4-FFF2-40B4-BE49-F238E27FC236}">
+                <a16:creationId xmlns:a16="http://schemas.microsoft.com/office/drawing/2014/main" id="{9D99C974-F8C4-46AC-BE08-728908A97F3B}"/>
+              </a:ext>
+            </a:extLst>
+          </p:cNvPr>
+          <p:cNvPicPr>
+            <a:picLocks noChangeAspect="1"/>
+          </p:cNvPicPr>
+          <p:nvPr/>
+        </p:nvPicPr>
+        <p:blipFill rotWithShape="1">
+          <a:blip r:embed="rId2"/>
+          <a:srcRect r="5200"/>
+          <a:stretch/>
+        </p:blipFill>
+        <p:spPr>
+          <a:xfrm>
+            <a:off x="3523488" y="10"/>
+            <a:ext cx="8668512" cy="6857990"/>
+          </a:xfrm>
+          <a:prstGeom prst="rect">
+            <a:avLst/>
+          </a:prstGeom>
+        </p:spPr>
+      </p:pic>
+      <p:sp>
+        <p:nvSpPr>
+          <p:cNvPr id="11" name="Rectangle 10">
+            <a:extLst>
+              <a:ext uri="{FF2B5EF4-FFF2-40B4-BE49-F238E27FC236}">
+                <a16:creationId xmlns:a16="http://schemas.microsoft.com/office/drawing/2014/main" id="{3EBE8569-6AEC-4B8C-8D53-2DE337CDBA65}"/>
+              </a:ext>
+              <a:ext uri="{C183D7F6-B498-43B3-948B-1728B52AA6E4}">
+                <adec:decorative xmlns:adec="http://schemas.microsoft.com/office/drawing/2017/decorative" val="1"/>
+              </a:ext>
+            </a:extLst>
+          </p:cNvPr>
+          <p:cNvSpPr>
+            <a:spLocks noGrp="1" noRot="1" noChangeAspect="1" noMove="1" noResize="1" noEditPoints="1" noAdjustHandles="1" noChangeArrowheads="1" noChangeShapeType="1" noTextEdit="1"/>
+          </p:cNvSpPr>
+          <p:nvPr>
+            <p:extLst>
+              <p:ext uri="{386F3935-93C4-4BCD-93E2-E3B085C9AB24}">
+                <p16:designElem xmlns:p16="http://schemas.microsoft.com/office/powerpoint/2015/main" val="1"/>
+              </p:ext>
+            </p:extLst>
+          </p:nvPr>
+        </p:nvSpPr>
+        <p:spPr>
+          <a:xfrm>
+            <a:off x="2" y="0"/>
+            <a:ext cx="9756601" cy="6858000"/>
+          </a:xfrm>
+          <a:prstGeom prst="rect">
+            <a:avLst/>
+          </a:prstGeom>
+          <a:gradFill>
+            <a:gsLst>
+              <a:gs pos="58000">
+                <a:schemeClr val="bg1"/>
+              </a:gs>
+              <a:gs pos="35000">
+                <a:schemeClr val="bg1">
+                  <a:alpha val="78000"/>
+                </a:schemeClr>
+              </a:gs>
+              <a:gs pos="19000">
+                <a:schemeClr val="bg1">
+                  <a:alpha val="38000"/>
+                </a:schemeClr>
+              </a:gs>
+              <a:gs pos="0">
+                <a:schemeClr val="bg1">
+                  <a:alpha val="0"/>
+                </a:schemeClr>
+              </a:gs>
+              <a:gs pos="100000">
+                <a:schemeClr val="bg1"/>
+              </a:gs>
+            </a:gsLst>
+            <a:lin ang="10800000" scaled="0"/>
+          </a:gradFill>
+          <a:ln>
+            <a:noFill/>
+          </a:ln>
+        </p:spPr>
+        <p:style>
+          <a:lnRef idx="2">
+            <a:schemeClr val="accent1">
+              <a:shade val="50000"/>
+            </a:schemeClr>
+          </a:lnRef>
+          <a:fillRef idx="1">
+            <a:schemeClr val="accent1"/>
+          </a:fillRef>
+          <a:effectRef idx="0">
+            <a:schemeClr val="accent1"/>
+          </a:effectRef>
+          <a:fontRef idx="minor">
+            <a:schemeClr val="lt1"/>
+          </a:fontRef>
+        </p:style>
+        <p:txBody>
+          <a:bodyPr rtlCol="0" anchor="ctr"/>
+          <a:lstStyle/>
+          <a:p>
+            <a:pPr algn="ctr"/>
+            <a:endParaRPr lang="en-US" dirty="0"/>
+          </a:p>
+        </p:txBody>
+      </p:sp>
+      <p:sp>
+        <p:nvSpPr>
+          <p:cNvPr id="2" name="Title 1">
+            <a:extLst>
+              <a:ext uri="{FF2B5EF4-FFF2-40B4-BE49-F238E27FC236}">
+                <a16:creationId xmlns:a16="http://schemas.microsoft.com/office/drawing/2014/main" id="{9DE9ED14-6712-4429-AC45-2BB64678D424}"/>
+              </a:ext>
+            </a:extLst>
+          </p:cNvPr>
+          <p:cNvSpPr>
+            <a:spLocks noGrp="1"/>
+          </p:cNvSpPr>
+          <p:nvPr>
+            <p:ph type="title"/>
+          </p:nvPr>
+        </p:nvSpPr>
+        <p:spPr>
+          <a:xfrm>
+            <a:off x="371094" y="1161288"/>
+            <a:ext cx="3438144" cy="1124712"/>
+          </a:xfrm>
+        </p:spPr>
+        <p:txBody>
+          <a:bodyPr anchor="b">
+            <a:normAutofit/>
+          </a:bodyPr>
+          <a:lstStyle/>
+          <a:p>
+            <a:r>
+              <a:rPr lang="en-US" sz="2800"/>
+              <a:t>Recommendations </a:t>
+            </a:r>
+          </a:p>
+        </p:txBody>
+      </p:sp>
+      <p:sp>
+        <p:nvSpPr>
+          <p:cNvPr id="13" name="Rectangle 12">
+            <a:extLst>
+              <a:ext uri="{FF2B5EF4-FFF2-40B4-BE49-F238E27FC236}">
+                <a16:creationId xmlns:a16="http://schemas.microsoft.com/office/drawing/2014/main" id="{55D4142C-5077-457F-A6AD-3FECFDB39685}"/>
+              </a:ext>
+              <a:ext uri="{C183D7F6-B498-43B3-948B-1728B52AA6E4}">
+                <adec:decorative xmlns:adec="http://schemas.microsoft.com/office/drawing/2017/decorative" val="1"/>
+              </a:ext>
+            </a:extLst>
+          </p:cNvPr>
+          <p:cNvSpPr>
+            <a:spLocks noGrp="1" noRot="1" noChangeAspect="1" noMove="1" noResize="1" noEditPoints="1" noAdjustHandles="1" noChangeArrowheads="1" noChangeShapeType="1" noTextEdit="1"/>
+          </p:cNvSpPr>
+          <p:nvPr>
+            <p:extLst>
+              <p:ext uri="{386F3935-93C4-4BCD-93E2-E3B085C9AB24}">
+                <p16:designElem xmlns:p16="http://schemas.microsoft.com/office/powerpoint/2015/main" val="1"/>
+              </p:ext>
+            </p:extLst>
+          </p:nvPr>
+        </p:nvSpPr>
+        <p:spPr>
+          <a:xfrm rot="5400000">
+            <a:off x="662559" y="605790"/>
+            <a:ext cx="73152" cy="548640"/>
+          </a:xfrm>
+          <a:prstGeom prst="rect">
+            <a:avLst/>
+          </a:prstGeom>
+          <a:solidFill>
+            <a:schemeClr val="accent2"/>
+          </a:solidFill>
+          <a:ln>
+            <a:noFill/>
+          </a:ln>
+        </p:spPr>
+        <p:style>
+          <a:lnRef idx="2">
+            <a:schemeClr val="accent1">
+              <a:shade val="50000"/>
+            </a:schemeClr>
+          </a:lnRef>
+          <a:fillRef idx="1">
+            <a:schemeClr val="accent1"/>
+          </a:fillRef>
+          <a:effectRef idx="0">
+            <a:schemeClr val="accent1"/>
+          </a:effectRef>
+          <a:fontRef idx="minor">
+            <a:schemeClr val="lt1"/>
+          </a:fontRef>
+        </p:style>
+        <p:txBody>
+          <a:bodyPr rtlCol="0" anchor="ctr"/>
+          <a:lstStyle/>
+          <a:p>
+            <a:pPr algn="ctr"/>
+            <a:endParaRPr lang="en-US">
+              <a:solidFill>
+                <a:prstClr val="white"/>
+              </a:solidFill>
+              <a:latin typeface="Calibri" panose="020F0502020204030204"/>
+            </a:endParaRPr>
+          </a:p>
+        </p:txBody>
+      </p:sp>
+      <p:sp>
+        <p:nvSpPr>
+          <p:cNvPr id="15" name="Rectangle 14">
+            <a:extLst>
+              <a:ext uri="{FF2B5EF4-FFF2-40B4-BE49-F238E27FC236}">
+                <a16:creationId xmlns:a16="http://schemas.microsoft.com/office/drawing/2014/main" id="{7A5F0580-5EE9-419F-96EE-B6529EF6E7D0}"/>
+              </a:ext>
+              <a:ext uri="{C183D7F6-B498-43B3-948B-1728B52AA6E4}">
+                <adec:decorative xmlns:adec="http://schemas.microsoft.com/office/drawing/2017/decorative" val="1"/>
+              </a:ext>
+            </a:extLst>
+          </p:cNvPr>
+          <p:cNvSpPr>
+            <a:spLocks noGrp="1" noRot="1" noChangeAspect="1" noMove="1" noResize="1" noEditPoints="1" noAdjustHandles="1" noChangeArrowheads="1" noChangeShapeType="1" noTextEdit="1"/>
+          </p:cNvSpPr>
+          <p:nvPr>
+            <p:extLst>
+              <p:ext uri="{386F3935-93C4-4BCD-93E2-E3B085C9AB24}">
+                <p16:designElem xmlns:p16="http://schemas.microsoft.com/office/powerpoint/2015/main" val="1"/>
+              </p:ext>
+            </p:extLst>
+          </p:nvPr>
+        </p:nvSpPr>
+        <p:spPr>
+          <a:xfrm>
+            <a:off x="428244" y="2443480"/>
+            <a:ext cx="3300984" cy="9144"/>
+          </a:xfrm>
+          <a:prstGeom prst="rect">
+            <a:avLst/>
+          </a:prstGeom>
+          <a:solidFill>
+            <a:srgbClr val="D5D5D5"/>
+          </a:solidFill>
+          <a:ln w="3175">
+            <a:solidFill>
+              <a:srgbClr val="D5D5D5"/>
+            </a:solidFill>
+          </a:ln>
+          <a:effectLst/>
+        </p:spPr>
+        <p:style>
+          <a:lnRef idx="2">
+            <a:schemeClr val="accent1">
+              <a:shade val="50000"/>
+            </a:schemeClr>
+          </a:lnRef>
+          <a:fillRef idx="1">
+            <a:schemeClr val="accent1"/>
+          </a:fillRef>
+          <a:effectRef idx="0">
+            <a:schemeClr val="accent1"/>
+          </a:effectRef>
+          <a:fontRef idx="minor">
+            <a:schemeClr val="lt1"/>
+          </a:fontRef>
+        </p:style>
+        <p:txBody>
+          <a:bodyPr rtlCol="0" anchor="ctr"/>
+          <a:lstStyle/>
+          <a:p>
+            <a:pPr marL="0" marR="0" lvl="0" indent="0" algn="ctr" defTabSz="914400" rtl="0" eaLnBrk="1" fontAlgn="auto" latinLnBrk="0" hangingPunct="1">
+              <a:lnSpc>
+                <a:spcPct val="100000"/>
+              </a:lnSpc>
+              <a:spcBef>
+                <a:spcPts val="0"/>
+              </a:spcBef>
+              <a:spcAft>
+                <a:spcPts val="0"/>
+              </a:spcAft>
+              <a:buClrTx/>
+              <a:buSzTx/>
+              <a:buFontTx/>
+              <a:buNone/>
+              <a:tabLst/>
+              <a:defRPr/>
+            </a:pPr>
+            <a:endParaRPr kumimoji="0" lang="en-US" sz="1800" b="0" i="0" u="none" strike="noStrike" kern="1200" cap="none" spc="0" normalizeH="0" baseline="0" noProof="0">
+              <a:ln>
+                <a:noFill/>
+              </a:ln>
+              <a:solidFill>
+                <a:prstClr val="white"/>
+              </a:solidFill>
+              <a:effectLst/>
+              <a:uLnTx/>
+              <a:uFillTx/>
+              <a:latin typeface="Calibri" panose="020F0502020204030204"/>
+              <a:ea typeface="+mn-ea"/>
+              <a:cs typeface="+mn-cs"/>
+            </a:endParaRPr>
+          </a:p>
+        </p:txBody>
+      </p:sp>
+      <p:sp>
+        <p:nvSpPr>
+          <p:cNvPr id="3" name="Content Placeholder 2">
+            <a:extLst>
+              <a:ext uri="{FF2B5EF4-FFF2-40B4-BE49-F238E27FC236}">
+                <a16:creationId xmlns:a16="http://schemas.microsoft.com/office/drawing/2014/main" id="{931C89F1-AD89-4965-9808-D57A3B20E707}"/>
+              </a:ext>
+            </a:extLst>
+          </p:cNvPr>
+          <p:cNvSpPr>
+            <a:spLocks noGrp="1"/>
+          </p:cNvSpPr>
+          <p:nvPr>
+            <p:ph idx="1"/>
+          </p:nvPr>
+        </p:nvSpPr>
+        <p:spPr>
+          <a:xfrm>
+            <a:off x="371094" y="2718054"/>
+            <a:ext cx="3438906" cy="3207258"/>
+          </a:xfrm>
+        </p:spPr>
+        <p:txBody>
+          <a:bodyPr anchor="t">
+            <a:normAutofit/>
+          </a:bodyPr>
+          <a:lstStyle/>
+          <a:p>
+            <a:r>
+              <a:rPr lang="en-US" sz="1700"/>
+              <a:t>Lakes and Dams sources of water</a:t>
+            </a:r>
+          </a:p>
+          <a:p>
+            <a:r>
+              <a:rPr lang="en-US" sz="1700"/>
+              <a:t>Unknown and Salty water quality</a:t>
+            </a:r>
+          </a:p>
+          <a:p>
+            <a:r>
+              <a:rPr lang="en-US" sz="1700"/>
+              <a:t>Ruvuma and Lake Rukwa water basins </a:t>
+            </a:r>
+          </a:p>
+          <a:p>
+            <a:endParaRPr lang="en-US" sz="1700"/>
+          </a:p>
+        </p:txBody>
+      </p:sp>
+    </p:spTree>
+    <p:extLst>
+      <p:ext uri="{BB962C8B-B14F-4D97-AF65-F5344CB8AC3E}">
+        <p14:creationId xmlns:p14="http://schemas.microsoft.com/office/powerpoint/2010/main" val="2401135699"/>
+      </p:ext>
+    </p:extLst>
+  </p:cSld>
+  <p:clrMapOvr>
+    <a:masterClrMapping/>
+  </p:clrMapOvr>
+</p:sld>
+</file>
+
+<file path=ppt/slides/slide11.xml><?xml version="1.0" encoding="utf-8"?>
+<p:sld xmlns:a="http://schemas.openxmlformats.org/drawingml/2006/main" xmlns:r="http://schemas.openxmlformats.org/officeDocument/2006/relationships" xmlns:p="http://schemas.openxmlformats.org/presentationml/2006/main">
+  <p:cSld>
+    <p:spTree>
+      <p:nvGrpSpPr>
+        <p:cNvPr id="1" name=""/>
+        <p:cNvGrpSpPr/>
+        <p:nvPr/>
+      </p:nvGrpSpPr>
+      <p:grpSpPr>
+        <a:xfrm>
+          <a:off x="0" y="0"/>
+          <a:ext cx="0" cy="0"/>
+          <a:chOff x="0" y="0"/>
+          <a:chExt cx="0" cy="0"/>
+        </a:xfrm>
+      </p:grpSpPr>
+      <p:sp>
+        <p:nvSpPr>
+          <p:cNvPr id="6" name="Content Placeholder 5">
+            <a:extLst>
+              <a:ext uri="{FF2B5EF4-FFF2-40B4-BE49-F238E27FC236}">
+                <a16:creationId xmlns:a16="http://schemas.microsoft.com/office/drawing/2014/main" id="{96905CF6-3513-41CC-8F4E-A91840F89E9F}"/>
+              </a:ext>
+            </a:extLst>
+          </p:cNvPr>
+          <p:cNvSpPr>
+            <a:spLocks noGrp="1"/>
+          </p:cNvSpPr>
+          <p:nvPr>
+            <p:ph idx="1"/>
+          </p:nvPr>
+        </p:nvSpPr>
+        <p:spPr/>
+        <p:txBody>
+          <a:bodyPr/>
+          <a:lstStyle/>
+          <a:p>
+            <a:endParaRPr lang="en-US"/>
+          </a:p>
+        </p:txBody>
+      </p:sp>
+      <p:pic>
+        <p:nvPicPr>
+          <p:cNvPr id="7" name="Content Placeholder 5" descr="Map&#10;&#10;Description automatically generated">
+            <a:extLst>
+              <a:ext uri="{FF2B5EF4-FFF2-40B4-BE49-F238E27FC236}">
+                <a16:creationId xmlns:a16="http://schemas.microsoft.com/office/drawing/2014/main" id="{740755EE-C3F5-4D83-BA03-76B75CC61D09}"/>
+              </a:ext>
+            </a:extLst>
+          </p:cNvPr>
+          <p:cNvPicPr>
+            <a:picLocks noChangeAspect="1"/>
+          </p:cNvPicPr>
+          <p:nvPr/>
+        </p:nvPicPr>
+        <p:blipFill rotWithShape="1">
+          <a:blip r:embed="rId2">
+            <a:extLst>
+              <a:ext uri="{28A0092B-C50C-407E-A947-70E740481C1C}">
+                <a14:useLocalDpi xmlns:a14="http://schemas.microsoft.com/office/drawing/2010/main" val="0"/>
+              </a:ext>
+            </a:extLst>
+          </a:blip>
+          <a:srcRect t="556" r="-58"/>
+          <a:stretch/>
+        </p:blipFill>
+        <p:spPr>
+          <a:xfrm>
+            <a:off x="0" y="0"/>
+            <a:ext cx="12192000" cy="6858000"/>
+          </a:xfrm>
+          <a:prstGeom prst="rect">
+            <a:avLst/>
+          </a:prstGeom>
+        </p:spPr>
+      </p:pic>
+      <p:sp>
+        <p:nvSpPr>
+          <p:cNvPr id="10" name="TextBox 9">
+            <a:extLst>
+              <a:ext uri="{FF2B5EF4-FFF2-40B4-BE49-F238E27FC236}">
+                <a16:creationId xmlns:a16="http://schemas.microsoft.com/office/drawing/2014/main" id="{F7A763D0-980E-4BC7-8C90-6DE1CABA71D7}"/>
+              </a:ext>
+            </a:extLst>
+          </p:cNvPr>
+          <p:cNvSpPr txBox="1"/>
+          <p:nvPr/>
+        </p:nvSpPr>
+        <p:spPr>
+          <a:xfrm>
+            <a:off x="2409825" y="429549"/>
+            <a:ext cx="7486649" cy="646331"/>
+          </a:xfrm>
+          <a:prstGeom prst="rect">
+            <a:avLst/>
+          </a:prstGeom>
+          <a:solidFill>
+            <a:schemeClr val="bg1"/>
+          </a:solidFill>
+        </p:spPr>
+        <p:txBody>
+          <a:bodyPr wrap="square" rtlCol="0">
+            <a:spAutoFit/>
+          </a:bodyPr>
+          <a:lstStyle/>
+          <a:p>
+            <a:r>
+              <a:rPr lang="en-US" dirty="0"/>
+              <a:t>                                                                                                                       </a:t>
+            </a:r>
+          </a:p>
+          <a:p>
+            <a:endParaRPr lang="en-US" dirty="0"/>
+          </a:p>
+        </p:txBody>
+      </p:sp>
+      <p:pic>
+        <p:nvPicPr>
+          <p:cNvPr id="11" name="Picture 10">
+            <a:extLst>
+              <a:ext uri="{FF2B5EF4-FFF2-40B4-BE49-F238E27FC236}">
+                <a16:creationId xmlns:a16="http://schemas.microsoft.com/office/drawing/2014/main" id="{51C4894B-2645-40F8-87C6-9043C60E4234}"/>
+              </a:ext>
+            </a:extLst>
+          </p:cNvPr>
+          <p:cNvPicPr>
+            <a:picLocks noChangeAspect="1"/>
+          </p:cNvPicPr>
+          <p:nvPr/>
+        </p:nvPicPr>
+        <p:blipFill>
+          <a:blip r:embed="rId3"/>
+          <a:stretch>
+            <a:fillRect/>
+          </a:stretch>
+        </p:blipFill>
+        <p:spPr>
+          <a:xfrm>
+            <a:off x="10153650" y="3429000"/>
+            <a:ext cx="2038350" cy="884675"/>
+          </a:xfrm>
+          <a:prstGeom prst="rect">
+            <a:avLst/>
+          </a:prstGeom>
+        </p:spPr>
+      </p:pic>
+    </p:spTree>
+    <p:extLst>
+      <p:ext uri="{BB962C8B-B14F-4D97-AF65-F5344CB8AC3E}">
+        <p14:creationId xmlns:p14="http://schemas.microsoft.com/office/powerpoint/2010/main" val="2465694106"/>
+      </p:ext>
+    </p:extLst>
+  </p:cSld>
+  <p:clrMapOvr>
+    <a:masterClrMapping/>
+  </p:clrMapOvr>
+</p:sld>
+</file>
+
+<file path=ppt/slides/slide12.xml><?xml version="1.0" encoding="utf-8"?>
+<p:sld xmlns:a="http://schemas.openxmlformats.org/drawingml/2006/main" xmlns:r="http://schemas.openxmlformats.org/officeDocument/2006/relationships" xmlns:p="http://schemas.openxmlformats.org/presentationml/2006/main">
+  <p:cSld>
+    <p:spTree>
+      <p:nvGrpSpPr>
+        <p:cNvPr id="1" name=""/>
+        <p:cNvGrpSpPr/>
+        <p:nvPr/>
+      </p:nvGrpSpPr>
+      <p:grpSpPr>
+        <a:xfrm>
+          <a:off x="0" y="0"/>
+          <a:ext cx="0" cy="0"/>
+          <a:chOff x="0" y="0"/>
+          <a:chExt cx="0" cy="0"/>
+        </a:xfrm>
+      </p:grpSpPr>
+      <p:sp>
+        <p:nvSpPr>
+          <p:cNvPr id="2" name="Title 1">
+            <a:extLst>
+              <a:ext uri="{FF2B5EF4-FFF2-40B4-BE49-F238E27FC236}">
+                <a16:creationId xmlns:a16="http://schemas.microsoft.com/office/drawing/2014/main" id="{442D77E9-90FD-4468-823C-5825D06BE5EB}"/>
+              </a:ext>
+            </a:extLst>
+          </p:cNvPr>
+          <p:cNvSpPr>
+            <a:spLocks noGrp="1"/>
+          </p:cNvSpPr>
+          <p:nvPr>
+            <p:ph type="title"/>
+          </p:nvPr>
+        </p:nvSpPr>
+        <p:spPr/>
+        <p:txBody>
+          <a:bodyPr/>
+          <a:lstStyle/>
+          <a:p>
+            <a:endParaRPr lang="en-US"/>
+          </a:p>
+        </p:txBody>
+      </p:sp>
+      <p:sp>
+        <p:nvSpPr>
+          <p:cNvPr id="3" name="Content Placeholder 2">
+            <a:extLst>
+              <a:ext uri="{FF2B5EF4-FFF2-40B4-BE49-F238E27FC236}">
+                <a16:creationId xmlns:a16="http://schemas.microsoft.com/office/drawing/2014/main" id="{843C1DE7-76F5-4DB5-B93D-7043DB84BB17}"/>
+              </a:ext>
+            </a:extLst>
+          </p:cNvPr>
+          <p:cNvSpPr>
+            <a:spLocks noGrp="1"/>
+          </p:cNvSpPr>
+          <p:nvPr>
+            <p:ph idx="1"/>
+          </p:nvPr>
+        </p:nvSpPr>
+        <p:spPr/>
+        <p:txBody>
+          <a:bodyPr/>
+          <a:lstStyle/>
+          <a:p>
+            <a:endParaRPr lang="en-US"/>
+          </a:p>
+        </p:txBody>
+      </p:sp>
+      <p:pic>
+        <p:nvPicPr>
+          <p:cNvPr id="4" name="Picture 3" descr="Chart, map&#10;&#10;Description automatically generated">
+            <a:extLst>
+              <a:ext uri="{FF2B5EF4-FFF2-40B4-BE49-F238E27FC236}">
+                <a16:creationId xmlns:a16="http://schemas.microsoft.com/office/drawing/2014/main" id="{2AD53CBD-AF36-4B75-A080-2204A338034D}"/>
+              </a:ext>
+            </a:extLst>
+          </p:cNvPr>
+          <p:cNvPicPr>
+            <a:picLocks noChangeAspect="1"/>
+          </p:cNvPicPr>
+          <p:nvPr/>
+        </p:nvPicPr>
+        <p:blipFill>
+          <a:blip r:embed="rId2">
+            <a:extLst>
+              <a:ext uri="{28A0092B-C50C-407E-A947-70E740481C1C}">
+                <a14:useLocalDpi xmlns:a14="http://schemas.microsoft.com/office/drawing/2010/main" val="0"/>
+              </a:ext>
+            </a:extLst>
+          </a:blip>
+          <a:stretch>
+            <a:fillRect/>
+          </a:stretch>
+        </p:blipFill>
+        <p:spPr>
+          <a:xfrm>
+            <a:off x="0" y="0"/>
+            <a:ext cx="12192000" cy="6926708"/>
+          </a:xfrm>
+          <a:prstGeom prst="rect">
+            <a:avLst/>
+          </a:prstGeom>
+        </p:spPr>
+      </p:pic>
+      <p:pic>
+        <p:nvPicPr>
+          <p:cNvPr id="5" name="Picture 4">
+            <a:extLst>
+              <a:ext uri="{FF2B5EF4-FFF2-40B4-BE49-F238E27FC236}">
+                <a16:creationId xmlns:a16="http://schemas.microsoft.com/office/drawing/2014/main" id="{71E073C8-C2FD-425A-A409-62B83205118F}"/>
+              </a:ext>
+            </a:extLst>
+          </p:cNvPr>
+          <p:cNvPicPr>
+            <a:picLocks noChangeAspect="1"/>
+          </p:cNvPicPr>
+          <p:nvPr/>
+        </p:nvPicPr>
+        <p:blipFill>
+          <a:blip r:embed="rId3"/>
+          <a:stretch>
+            <a:fillRect/>
+          </a:stretch>
+        </p:blipFill>
+        <p:spPr>
+          <a:xfrm>
+            <a:off x="10153650" y="3558956"/>
+            <a:ext cx="2038350" cy="884675"/>
+          </a:xfrm>
+          <a:prstGeom prst="rect">
+            <a:avLst/>
+          </a:prstGeom>
+        </p:spPr>
+      </p:pic>
+      <p:sp>
+        <p:nvSpPr>
+          <p:cNvPr id="6" name="TextBox 5">
+            <a:extLst>
+              <a:ext uri="{FF2B5EF4-FFF2-40B4-BE49-F238E27FC236}">
+                <a16:creationId xmlns:a16="http://schemas.microsoft.com/office/drawing/2014/main" id="{B79C8808-DE85-431B-A671-D8DA832CCB7B}"/>
+              </a:ext>
+            </a:extLst>
+          </p:cNvPr>
+          <p:cNvSpPr txBox="1"/>
+          <p:nvPr/>
+        </p:nvSpPr>
+        <p:spPr>
+          <a:xfrm>
+            <a:off x="2856170" y="429549"/>
+            <a:ext cx="6479659" cy="646331"/>
+          </a:xfrm>
+          <a:prstGeom prst="rect">
+            <a:avLst/>
+          </a:prstGeom>
+          <a:solidFill>
+            <a:schemeClr val="bg1"/>
+          </a:solidFill>
+        </p:spPr>
+        <p:txBody>
+          <a:bodyPr wrap="none" rtlCol="0">
+            <a:spAutoFit/>
+          </a:bodyPr>
+          <a:lstStyle/>
+          <a:p>
+            <a:r>
+              <a:rPr lang="en-US" dirty="0"/>
+              <a:t>                                                                                                                       </a:t>
+            </a:r>
+          </a:p>
+          <a:p>
+            <a:endParaRPr lang="en-US" dirty="0"/>
+          </a:p>
+        </p:txBody>
+      </p:sp>
+    </p:spTree>
+    <p:extLst>
+      <p:ext uri="{BB962C8B-B14F-4D97-AF65-F5344CB8AC3E}">
+        <p14:creationId xmlns:p14="http://schemas.microsoft.com/office/powerpoint/2010/main" val="899727480"/>
+      </p:ext>
+    </p:extLst>
+  </p:cSld>
+  <p:clrMapOvr>
+    <a:masterClrMapping/>
+  </p:clrMapOvr>
+</p:sld>
+</file>
+
+<file path=ppt/slides/slide13.xml><?xml version="1.0" encoding="utf-8"?>
+<p:sld xmlns:a="http://schemas.openxmlformats.org/drawingml/2006/main" xmlns:r="http://schemas.openxmlformats.org/officeDocument/2006/relationships" xmlns:p="http://schemas.openxmlformats.org/presentationml/2006/main">
+  <p:cSld>
+    <p:spTree>
+      <p:nvGrpSpPr>
+        <p:cNvPr id="1" name=""/>
+        <p:cNvGrpSpPr/>
+        <p:nvPr/>
+      </p:nvGrpSpPr>
+      <p:grpSpPr>
+        <a:xfrm>
+          <a:off x="0" y="0"/>
+          <a:ext cx="0" cy="0"/>
+          <a:chOff x="0" y="0"/>
+          <a:chExt cx="0" cy="0"/>
+        </a:xfrm>
+      </p:grpSpPr>
+      <p:sp>
+        <p:nvSpPr>
+          <p:cNvPr id="2" name="Title 1">
+            <a:extLst>
+              <a:ext uri="{FF2B5EF4-FFF2-40B4-BE49-F238E27FC236}">
+                <a16:creationId xmlns:a16="http://schemas.microsoft.com/office/drawing/2014/main" id="{5CA53A71-D6B0-403B-B53A-ECFF55903148}"/>
+              </a:ext>
+            </a:extLst>
+          </p:cNvPr>
+          <p:cNvSpPr>
+            <a:spLocks noGrp="1"/>
+          </p:cNvSpPr>
+          <p:nvPr>
+            <p:ph type="title"/>
+          </p:nvPr>
+        </p:nvSpPr>
+        <p:spPr/>
+        <p:txBody>
+          <a:bodyPr/>
+          <a:lstStyle/>
+          <a:p>
+            <a:endParaRPr lang="en-US"/>
+          </a:p>
+        </p:txBody>
+      </p:sp>
+      <p:sp>
+        <p:nvSpPr>
+          <p:cNvPr id="3" name="Content Placeholder 2">
+            <a:extLst>
+              <a:ext uri="{FF2B5EF4-FFF2-40B4-BE49-F238E27FC236}">
+                <a16:creationId xmlns:a16="http://schemas.microsoft.com/office/drawing/2014/main" id="{C987D210-DB63-4823-8A27-36B69E384D0A}"/>
+              </a:ext>
+            </a:extLst>
+          </p:cNvPr>
+          <p:cNvSpPr>
+            <a:spLocks noGrp="1"/>
+          </p:cNvSpPr>
+          <p:nvPr>
+            <p:ph idx="1"/>
+          </p:nvPr>
+        </p:nvSpPr>
+        <p:spPr/>
+        <p:txBody>
+          <a:bodyPr/>
+          <a:lstStyle/>
+          <a:p>
+            <a:endParaRPr lang="en-US"/>
+          </a:p>
+        </p:txBody>
+      </p:sp>
+      <p:pic>
+        <p:nvPicPr>
+          <p:cNvPr id="4" name="Picture 3" descr="Map&#10;&#10;Description automatically generated">
+            <a:extLst>
+              <a:ext uri="{FF2B5EF4-FFF2-40B4-BE49-F238E27FC236}">
+                <a16:creationId xmlns:a16="http://schemas.microsoft.com/office/drawing/2014/main" id="{96B9BE0C-4C67-4316-A8B4-EC12001D19A8}"/>
+              </a:ext>
+            </a:extLst>
+          </p:cNvPr>
+          <p:cNvPicPr>
+            <a:picLocks noChangeAspect="1"/>
+          </p:cNvPicPr>
+          <p:nvPr/>
+        </p:nvPicPr>
+        <p:blipFill>
+          <a:blip r:embed="rId2">
+            <a:extLst>
+              <a:ext uri="{28A0092B-C50C-407E-A947-70E740481C1C}">
+                <a14:useLocalDpi xmlns:a14="http://schemas.microsoft.com/office/drawing/2010/main" val="0"/>
+              </a:ext>
+            </a:extLst>
+          </a:blip>
+          <a:stretch>
+            <a:fillRect/>
+          </a:stretch>
+        </p:blipFill>
+        <p:spPr>
+          <a:xfrm>
+            <a:off x="0" y="0"/>
+            <a:ext cx="12192000" cy="6840852"/>
+          </a:xfrm>
+          <a:prstGeom prst="rect">
+            <a:avLst/>
+          </a:prstGeom>
+        </p:spPr>
+      </p:pic>
+      <p:pic>
+        <p:nvPicPr>
+          <p:cNvPr id="5" name="Picture 4">
+            <a:extLst>
+              <a:ext uri="{FF2B5EF4-FFF2-40B4-BE49-F238E27FC236}">
+                <a16:creationId xmlns:a16="http://schemas.microsoft.com/office/drawing/2014/main" id="{29037D9D-B836-42CD-BF4C-ADC75D4EAA57}"/>
+              </a:ext>
+            </a:extLst>
+          </p:cNvPr>
+          <p:cNvPicPr>
+            <a:picLocks noChangeAspect="1"/>
+          </p:cNvPicPr>
+          <p:nvPr/>
+        </p:nvPicPr>
+        <p:blipFill>
+          <a:blip r:embed="rId3"/>
+          <a:stretch>
+            <a:fillRect/>
+          </a:stretch>
+        </p:blipFill>
+        <p:spPr>
+          <a:xfrm>
+            <a:off x="10153650" y="3301781"/>
+            <a:ext cx="2038350" cy="884675"/>
+          </a:xfrm>
+          <a:prstGeom prst="rect">
+            <a:avLst/>
+          </a:prstGeom>
+        </p:spPr>
+      </p:pic>
+      <p:sp>
+        <p:nvSpPr>
+          <p:cNvPr id="6" name="TextBox 5">
+            <a:extLst>
+              <a:ext uri="{FF2B5EF4-FFF2-40B4-BE49-F238E27FC236}">
+                <a16:creationId xmlns:a16="http://schemas.microsoft.com/office/drawing/2014/main" id="{14E479E3-A4AF-4C97-B1A4-C0B1D3B82D57}"/>
+              </a:ext>
+            </a:extLst>
+          </p:cNvPr>
+          <p:cNvSpPr txBox="1"/>
+          <p:nvPr/>
+        </p:nvSpPr>
+        <p:spPr>
+          <a:xfrm>
+            <a:off x="2665670" y="515405"/>
+            <a:ext cx="7040305" cy="646331"/>
+          </a:xfrm>
+          <a:prstGeom prst="rect">
+            <a:avLst/>
+          </a:prstGeom>
+          <a:solidFill>
+            <a:schemeClr val="bg1"/>
+          </a:solidFill>
+        </p:spPr>
+        <p:txBody>
+          <a:bodyPr wrap="square" rtlCol="0">
+            <a:spAutoFit/>
+          </a:bodyPr>
+          <a:lstStyle/>
+          <a:p>
+            <a:r>
+              <a:rPr lang="en-US" dirty="0"/>
+              <a:t>                                                                                                                       </a:t>
+            </a:r>
+          </a:p>
+          <a:p>
+            <a:endParaRPr lang="en-US" dirty="0"/>
+          </a:p>
+        </p:txBody>
+      </p:sp>
+      <p:sp>
+        <p:nvSpPr>
+          <p:cNvPr id="7" name="TextBox 6">
+            <a:extLst>
+              <a:ext uri="{FF2B5EF4-FFF2-40B4-BE49-F238E27FC236}">
+                <a16:creationId xmlns:a16="http://schemas.microsoft.com/office/drawing/2014/main" id="{EA3E3B66-CDFE-4216-B6AE-38365BC406CB}"/>
+              </a:ext>
+            </a:extLst>
+          </p:cNvPr>
+          <p:cNvSpPr txBox="1"/>
+          <p:nvPr/>
+        </p:nvSpPr>
+        <p:spPr>
+          <a:xfrm>
+            <a:off x="170120" y="988850"/>
+            <a:ext cx="7040305" cy="646331"/>
+          </a:xfrm>
+          <a:prstGeom prst="rect">
+            <a:avLst/>
+          </a:prstGeom>
+          <a:solidFill>
+            <a:schemeClr val="bg1"/>
+          </a:solidFill>
+        </p:spPr>
+        <p:txBody>
+          <a:bodyPr wrap="square" rtlCol="0">
+            <a:spAutoFit/>
+          </a:bodyPr>
+          <a:lstStyle/>
+          <a:p>
+            <a:r>
+              <a:rPr lang="en-US" dirty="0"/>
+              <a:t>                                                                                                                       </a:t>
+            </a:r>
+          </a:p>
+          <a:p>
+            <a:endParaRPr lang="en-US" dirty="0"/>
+          </a:p>
+        </p:txBody>
+      </p:sp>
+    </p:spTree>
+    <p:extLst>
+      <p:ext uri="{BB962C8B-B14F-4D97-AF65-F5344CB8AC3E}">
+        <p14:creationId xmlns:p14="http://schemas.microsoft.com/office/powerpoint/2010/main" val="4168037819"/>
+      </p:ext>
+    </p:extLst>
+  </p:cSld>
+  <p:clrMapOvr>
+    <a:masterClrMapping/>
+  </p:clrMapOvr>
+</p:sld>
+</file>
+
+<file path=ppt/slides/slide14.xml><?xml version="1.0" encoding="utf-8"?>
+<p:sld xmlns:a="http://schemas.openxmlformats.org/drawingml/2006/main" xmlns:r="http://schemas.openxmlformats.org/officeDocument/2006/relationships" xmlns:p="http://schemas.openxmlformats.org/presentationml/2006/main">
+  <p:cSld>
+    <p:bg>
+      <p:bgPr>
+        <a:solidFill>
+          <a:schemeClr val="bg1"/>
+        </a:solidFill>
+        <a:effectLst/>
+      </p:bgPr>
+    </p:bg>
+    <p:spTree>
+      <p:nvGrpSpPr>
+        <p:cNvPr id="1" name=""/>
+        <p:cNvGrpSpPr/>
+        <p:nvPr/>
+      </p:nvGrpSpPr>
+      <p:grpSpPr>
+        <a:xfrm>
+          <a:off x="0" y="0"/>
+          <a:ext cx="0" cy="0"/>
+          <a:chOff x="0" y="0"/>
+          <a:chExt cx="0" cy="0"/>
+        </a:xfrm>
+      </p:grpSpPr>
+      <p:sp useBgFill="1">
+        <p:nvSpPr>
+          <p:cNvPr id="8" name="Rectangle 7">
+            <a:extLst>
+              <a:ext uri="{FF2B5EF4-FFF2-40B4-BE49-F238E27FC236}">
+                <a16:creationId xmlns:a16="http://schemas.microsoft.com/office/drawing/2014/main" id="{E91DC736-0EF8-4F87-9146-EBF1D2EE4D3D}"/>
+              </a:ext>
+              <a:ext uri="{C183D7F6-B498-43B3-948B-1728B52AA6E4}">
+                <adec:decorative xmlns:adec="http://schemas.microsoft.com/office/drawing/2017/decorative" val="1"/>
+              </a:ext>
+            </a:extLst>
+          </p:cNvPr>
+          <p:cNvSpPr>
+            <a:spLocks noGrp="1" noRot="1" noChangeAspect="1" noMove="1" noResize="1" noEditPoints="1" noAdjustHandles="1" noChangeArrowheads="1" noChangeShapeType="1" noTextEdit="1"/>
+          </p:cNvSpPr>
+          <p:nvPr>
+            <p:extLst>
+              <p:ext uri="{386F3935-93C4-4BCD-93E2-E3B085C9AB24}">
+                <p16:designElem xmlns:p16="http://schemas.microsoft.com/office/powerpoint/2015/main" val="1"/>
+              </p:ext>
+            </p:extLst>
+          </p:nvPr>
+        </p:nvSpPr>
+        <p:spPr>
+          <a:xfrm>
+            <a:off x="0" y="0"/>
+            <a:ext cx="12192000" cy="6858000"/>
+          </a:xfrm>
+          <a:prstGeom prst="rect">
+            <a:avLst/>
+          </a:prstGeom>
+          <a:ln>
+            <a:noFill/>
+          </a:ln>
+        </p:spPr>
+        <p:style>
+          <a:lnRef idx="2">
+            <a:schemeClr val="accent1">
+              <a:shade val="50000"/>
+            </a:schemeClr>
+          </a:lnRef>
+          <a:fillRef idx="1">
+            <a:schemeClr val="accent1"/>
+          </a:fillRef>
+          <a:effectRef idx="0">
+            <a:schemeClr val="accent1"/>
+          </a:effectRef>
+          <a:fontRef idx="minor">
+            <a:schemeClr val="lt1"/>
+          </a:fontRef>
+        </p:style>
+        <p:txBody>
+          <a:bodyPr rtlCol="0" anchor="ctr"/>
+          <a:lstStyle/>
+          <a:p>
+            <a:pPr algn="ctr"/>
+            <a:endParaRPr lang="en-US"/>
+          </a:p>
+        </p:txBody>
+      </p:sp>
+      <p:pic>
+        <p:nvPicPr>
+          <p:cNvPr id="4" name="Picture 3" descr="Many question marks on black background">
+            <a:extLst>
+              <a:ext uri="{FF2B5EF4-FFF2-40B4-BE49-F238E27FC236}">
+                <a16:creationId xmlns:a16="http://schemas.microsoft.com/office/drawing/2014/main" id="{AD953EBE-4157-4B40-8288-9DD7D6597CB3}"/>
+              </a:ext>
+            </a:extLst>
+          </p:cNvPr>
+          <p:cNvPicPr>
+            <a:picLocks noChangeAspect="1"/>
+          </p:cNvPicPr>
+          <p:nvPr/>
+        </p:nvPicPr>
+        <p:blipFill rotWithShape="1">
+          <a:blip r:embed="rId2"/>
+          <a:srcRect l="22895" r="2" b="2"/>
+          <a:stretch/>
+        </p:blipFill>
+        <p:spPr>
+          <a:xfrm>
+            <a:off x="3523488" y="10"/>
+            <a:ext cx="8668512" cy="6857990"/>
+          </a:xfrm>
+          <a:prstGeom prst="rect">
+            <a:avLst/>
+          </a:prstGeom>
+        </p:spPr>
+      </p:pic>
+      <p:sp>
+        <p:nvSpPr>
+          <p:cNvPr id="10" name="Rectangle 9">
+            <a:extLst>
+              <a:ext uri="{FF2B5EF4-FFF2-40B4-BE49-F238E27FC236}">
+                <a16:creationId xmlns:a16="http://schemas.microsoft.com/office/drawing/2014/main" id="{097CD68E-23E3-4007-8847-CD0944C4F7BE}"/>
+              </a:ext>
+              <a:ext uri="{C183D7F6-B498-43B3-948B-1728B52AA6E4}">
+                <adec:decorative xmlns:adec="http://schemas.microsoft.com/office/drawing/2017/decorative" val="1"/>
+              </a:ext>
+            </a:extLst>
+          </p:cNvPr>
+          <p:cNvSpPr>
+            <a:spLocks noGrp="1" noRot="1" noChangeAspect="1" noMove="1" noResize="1" noEditPoints="1" noAdjustHandles="1" noChangeArrowheads="1" noChangeShapeType="1" noTextEdit="1"/>
+          </p:cNvSpPr>
+          <p:nvPr>
+            <p:extLst>
+              <p:ext uri="{386F3935-93C4-4BCD-93E2-E3B085C9AB24}">
+                <p16:designElem xmlns:p16="http://schemas.microsoft.com/office/powerpoint/2015/main" val="1"/>
+              </p:ext>
+            </p:extLst>
+          </p:nvPr>
+        </p:nvSpPr>
+        <p:spPr>
+          <a:xfrm>
+            <a:off x="0" y="0"/>
+            <a:ext cx="9756601" cy="6858000"/>
+          </a:xfrm>
+          <a:prstGeom prst="rect">
+            <a:avLst/>
+          </a:prstGeom>
+          <a:gradFill>
+            <a:gsLst>
+              <a:gs pos="58000">
+                <a:schemeClr val="bg1"/>
+              </a:gs>
+              <a:gs pos="35000">
+                <a:schemeClr val="bg1">
+                  <a:alpha val="79000"/>
+                </a:schemeClr>
+              </a:gs>
+              <a:gs pos="19000">
+                <a:schemeClr val="bg1">
+                  <a:alpha val="38000"/>
+                </a:schemeClr>
+              </a:gs>
+              <a:gs pos="0">
+                <a:schemeClr val="bg1">
+                  <a:alpha val="0"/>
+                </a:schemeClr>
+              </a:gs>
+              <a:gs pos="100000">
+                <a:schemeClr val="bg1"/>
+              </a:gs>
+            </a:gsLst>
+            <a:lin ang="10800000" scaled="0"/>
+          </a:gradFill>
+          <a:ln>
+            <a:noFill/>
+          </a:ln>
+        </p:spPr>
+        <p:style>
+          <a:lnRef idx="2">
+            <a:schemeClr val="accent1">
+              <a:shade val="50000"/>
+            </a:schemeClr>
+          </a:lnRef>
+          <a:fillRef idx="1">
+            <a:schemeClr val="accent1"/>
+          </a:fillRef>
+          <a:effectRef idx="0">
+            <a:schemeClr val="accent1"/>
+          </a:effectRef>
+          <a:fontRef idx="minor">
+            <a:schemeClr val="lt1"/>
+          </a:fontRef>
+        </p:style>
+        <p:txBody>
+          <a:bodyPr rtlCol="0" anchor="ctr"/>
+          <a:lstStyle/>
+          <a:p>
+            <a:pPr algn="ctr"/>
+            <a:endParaRPr lang="en-US" dirty="0"/>
+          </a:p>
+        </p:txBody>
+      </p:sp>
+      <p:sp>
+        <p:nvSpPr>
+          <p:cNvPr id="2" name="Title 1">
+            <a:extLst>
+              <a:ext uri="{FF2B5EF4-FFF2-40B4-BE49-F238E27FC236}">
+                <a16:creationId xmlns:a16="http://schemas.microsoft.com/office/drawing/2014/main" id="{AA00D25F-4878-4BD3-8814-73A00C2D20BA}"/>
+              </a:ext>
+            </a:extLst>
+          </p:cNvPr>
+          <p:cNvSpPr>
+            <a:spLocks noGrp="1"/>
+          </p:cNvSpPr>
+          <p:nvPr>
+            <p:ph type="title"/>
+          </p:nvPr>
+        </p:nvSpPr>
+        <p:spPr>
+          <a:xfrm>
+            <a:off x="477981" y="1122363"/>
+            <a:ext cx="4023360" cy="3204134"/>
+          </a:xfrm>
+        </p:spPr>
+        <p:txBody>
+          <a:bodyPr vert="horz" lIns="91440" tIns="45720" rIns="91440" bIns="45720" rtlCol="0" anchor="b">
+            <a:normAutofit/>
+          </a:bodyPr>
+          <a:lstStyle/>
+          <a:p>
+            <a:r>
+              <a:rPr lang="en-US" sz="4800"/>
+              <a:t>Questions?</a:t>
+            </a:r>
+          </a:p>
+        </p:txBody>
+      </p:sp>
+      <p:sp>
+        <p:nvSpPr>
+          <p:cNvPr id="12" name="Rectangle 11">
+            <a:extLst>
+              <a:ext uri="{FF2B5EF4-FFF2-40B4-BE49-F238E27FC236}">
+                <a16:creationId xmlns:a16="http://schemas.microsoft.com/office/drawing/2014/main" id="{AF2F604E-43BE-4DC3-B983-E071523364F8}"/>
+              </a:ext>
+              <a:ext uri="{C183D7F6-B498-43B3-948B-1728B52AA6E4}">
+                <adec:decorative xmlns:adec="http://schemas.microsoft.com/office/drawing/2017/decorative" val="1"/>
+              </a:ext>
+            </a:extLst>
+          </p:cNvPr>
+          <p:cNvSpPr>
+            <a:spLocks noGrp="1" noRot="1" noChangeAspect="1" noMove="1" noResize="1" noEditPoints="1" noAdjustHandles="1" noChangeArrowheads="1" noChangeShapeType="1" noTextEdit="1"/>
+          </p:cNvSpPr>
+          <p:nvPr>
+            <p:extLst>
+              <p:ext uri="{386F3935-93C4-4BCD-93E2-E3B085C9AB24}">
+                <p16:designElem xmlns:p16="http://schemas.microsoft.com/office/powerpoint/2015/main" val="1"/>
+              </p:ext>
+            </p:extLst>
+          </p:nvPr>
+        </p:nvSpPr>
+        <p:spPr>
+          <a:xfrm rot="5400000">
+            <a:off x="759921" y="346791"/>
+            <a:ext cx="146304" cy="704088"/>
+          </a:xfrm>
+          <a:prstGeom prst="rect">
+            <a:avLst/>
+          </a:prstGeom>
+          <a:solidFill>
+            <a:schemeClr val="accent2"/>
+          </a:solidFill>
+          <a:ln>
+            <a:noFill/>
+          </a:ln>
+        </p:spPr>
+        <p:style>
+          <a:lnRef idx="2">
+            <a:schemeClr val="accent1">
+              <a:shade val="50000"/>
+            </a:schemeClr>
+          </a:lnRef>
+          <a:fillRef idx="1">
+            <a:schemeClr val="accent1"/>
+          </a:fillRef>
+          <a:effectRef idx="0">
+            <a:schemeClr val="accent1"/>
+          </a:effectRef>
+          <a:fontRef idx="minor">
+            <a:schemeClr val="lt1"/>
+          </a:fontRef>
+        </p:style>
+        <p:txBody>
+          <a:bodyPr rtlCol="0" anchor="ctr"/>
+          <a:lstStyle/>
+          <a:p>
+            <a:pPr algn="ctr"/>
+            <a:endParaRPr lang="en-US">
+              <a:solidFill>
+                <a:prstClr val="white"/>
+              </a:solidFill>
+              <a:latin typeface="Calibri" panose="020F0502020204030204"/>
+            </a:endParaRPr>
+          </a:p>
+        </p:txBody>
+      </p:sp>
+      <p:sp>
+        <p:nvSpPr>
+          <p:cNvPr id="14" name="Rectangle 13">
+            <a:extLst>
+              <a:ext uri="{FF2B5EF4-FFF2-40B4-BE49-F238E27FC236}">
+                <a16:creationId xmlns:a16="http://schemas.microsoft.com/office/drawing/2014/main" id="{08C9B587-E65E-4B52-B37C-ABEBB6E87928}"/>
+              </a:ext>
+              <a:ext uri="{C183D7F6-B498-43B3-948B-1728B52AA6E4}">
+                <adec:decorative xmlns:adec="http://schemas.microsoft.com/office/drawing/2017/decorative" val="1"/>
+              </a:ext>
+            </a:extLst>
+          </p:cNvPr>
+          <p:cNvSpPr>
+            <a:spLocks noGrp="1" noRot="1" noChangeAspect="1" noMove="1" noResize="1" noEditPoints="1" noAdjustHandles="1" noChangeArrowheads="1" noChangeShapeType="1" noTextEdit="1"/>
+          </p:cNvSpPr>
+          <p:nvPr>
+            <p:extLst>
+              <p:ext uri="{386F3935-93C4-4BCD-93E2-E3B085C9AB24}">
+                <p16:designElem xmlns:p16="http://schemas.microsoft.com/office/powerpoint/2015/main" val="1"/>
+              </p:ext>
+            </p:extLst>
+          </p:nvPr>
+        </p:nvSpPr>
+        <p:spPr>
+          <a:xfrm>
+            <a:off x="481029" y="4546920"/>
+            <a:ext cx="3977640" cy="18288"/>
+          </a:xfrm>
+          <a:prstGeom prst="rect">
+            <a:avLst/>
+          </a:prstGeom>
+          <a:solidFill>
+            <a:srgbClr val="D5D5D5"/>
+          </a:solidFill>
+          <a:ln w="3175">
+            <a:noFill/>
+          </a:ln>
+          <a:effectLst/>
+        </p:spPr>
+        <p:style>
+          <a:lnRef idx="2">
+            <a:schemeClr val="accent1">
+              <a:shade val="50000"/>
+            </a:schemeClr>
+          </a:lnRef>
+          <a:fillRef idx="1">
+            <a:schemeClr val="accent1"/>
+          </a:fillRef>
+          <a:effectRef idx="0">
+            <a:schemeClr val="accent1"/>
+          </a:effectRef>
+          <a:fontRef idx="minor">
+            <a:schemeClr val="lt1"/>
+          </a:fontRef>
+        </p:style>
+        <p:txBody>
+          <a:bodyPr rtlCol="0" anchor="ctr"/>
+          <a:lstStyle/>
+          <a:p>
+            <a:pPr marL="0" marR="0" lvl="0" indent="0" algn="ctr" defTabSz="914400" rtl="0" eaLnBrk="1" fontAlgn="auto" latinLnBrk="0" hangingPunct="1">
+              <a:lnSpc>
+                <a:spcPct val="100000"/>
+              </a:lnSpc>
+              <a:spcBef>
+                <a:spcPts val="0"/>
+              </a:spcBef>
+              <a:spcAft>
+                <a:spcPts val="0"/>
+              </a:spcAft>
+              <a:buClrTx/>
+              <a:buSzTx/>
+              <a:buFontTx/>
+              <a:buNone/>
+              <a:tabLst/>
+              <a:defRPr/>
+            </a:pPr>
+            <a:endParaRPr kumimoji="0" lang="en-US" sz="1800" b="0" i="0" u="none" strike="noStrike" kern="1200" cap="none" spc="0" normalizeH="0" baseline="0" noProof="0">
+              <a:ln>
+                <a:noFill/>
+              </a:ln>
+              <a:solidFill>
+                <a:prstClr val="white"/>
+              </a:solidFill>
+              <a:effectLst/>
+              <a:uLnTx/>
+              <a:uFillTx/>
+              <a:latin typeface="Calibri" panose="020F0502020204030204"/>
+              <a:ea typeface="+mn-ea"/>
+              <a:cs typeface="+mn-cs"/>
+            </a:endParaRPr>
+          </a:p>
+        </p:txBody>
+      </p:sp>
+    </p:spTree>
+    <p:extLst>
+      <p:ext uri="{BB962C8B-B14F-4D97-AF65-F5344CB8AC3E}">
+        <p14:creationId xmlns:p14="http://schemas.microsoft.com/office/powerpoint/2010/main" val="3761585528"/>
+      </p:ext>
+    </p:extLst>
+  </p:cSld>
+  <p:clrMapOvr>
+    <a:masterClrMapping/>
+  </p:clrMapOvr>
+  <p:timing>
+    <p:tnLst>
+      <p:par>
+        <p:cTn id="1" dur="indefinite" restart="never" nodeType="tmRoot">
+          <p:childTnLst>
+            <p:seq concurrent="1" nextAc="seek">
+              <p:cTn id="2" dur="indefinite" nodeType="mainSeq">
+                <p:childTnLst>
+                  <p:par>
+                    <p:cTn id="3" fill="hold">
+                      <p:stCondLst>
+                        <p:cond delay="indefinite"/>
+                        <p:cond evt="onBegin" delay="0">
+                          <p:tn val="2"/>
+                        </p:cond>
+                      </p:stCondLst>
+                      <p:childTnLst>
+                        <p:par>
+                          <p:cTn id="4" fill="hold">
+                            <p:stCondLst>
+                              <p:cond delay="0"/>
+                            </p:stCondLst>
+                            <p:childTnLst>
+                              <p:par>
+                                <p:cTn id="5" presetID="10" presetClass="entr" presetSubtype="0" fill="hold" grpId="0" nodeType="withEffect">
+                                  <p:stCondLst>
+                                    <p:cond delay="1000"/>
+                                  </p:stCondLst>
+                                  <p:iterate>
+                                    <p:tmPct val="10000"/>
+                                  </p:iterate>
+                                  <p:childTnLst>
+                                    <p:set>
+                                      <p:cBhvr>
+                                        <p:cTn id="6" dur="1" fill="hold">
+                                          <p:stCondLst>
+                                            <p:cond delay="0"/>
+                                          </p:stCondLst>
+                                        </p:cTn>
+                                        <p:tgtEl>
+                                          <p:spTgt spid="2"/>
+                                        </p:tgtEl>
+                                        <p:attrNameLst>
+                                          <p:attrName>style.visibility</p:attrName>
+                                        </p:attrNameLst>
+                                      </p:cBhvr>
+                                      <p:to>
+                                        <p:strVal val="visible"/>
+                                      </p:to>
+                                    </p:set>
+                                    <p:animEffect transition="in" filter="fade">
+                                      <p:cBhvr>
+                                        <p:cTn id="7" dur="700"/>
+                                        <p:tgtEl>
+                                          <p:spTgt spid="2"/>
+                                        </p:tgtEl>
+                                      </p:cBhvr>
+                                    </p:animEffect>
+                                  </p:childTnLst>
+                                </p:cTn>
+                              </p:par>
+                            </p:childTnLst>
+                          </p:cTn>
+                        </p:par>
+                      </p:childTnLst>
+                    </p:cTn>
+                  </p:par>
+                </p:childTnLst>
+              </p:cTn>
+              <p:prevCondLst>
+                <p:cond evt="onPrev" delay="0">
+                  <p:tgtEl>
+                    <p:sldTgt/>
+                  </p:tgtEl>
+                </p:cond>
+              </p:prevCondLst>
+              <p:nextCondLst>
+                <p:cond evt="onNext" delay="0">
+                  <p:tgtEl>
+                    <p:sldTgt/>
+                  </p:tgtEl>
+                </p:cond>
+              </p:nextCondLst>
+            </p:seq>
+          </p:childTnLst>
+        </p:cTn>
+      </p:par>
+    </p:tnLst>
+    <p:bldLst>
+      <p:bldP spid="2" grpId="0"/>
+    </p:bldLst>
+  </p:timing>
+</p:sld>
+</file>
+
 <file path=ppt/slides/slide2.xml><?xml version="1.0" encoding="utf-8"?>
 <p:sld xmlns:a="http://schemas.openxmlformats.org/drawingml/2006/main" xmlns:r="http://schemas.openxmlformats.org/officeDocument/2006/relationships" xmlns:p="http://schemas.openxmlformats.org/presentationml/2006/main">
   <p:cSld>
@@ -4704,12 +5524,12 @@
           <a:chExt cx="0" cy="0"/>
         </a:xfrm>
       </p:grpSpPr>
-      <p:sp>
-        <p:nvSpPr>
-          <p:cNvPr id="8" name="Rectangle 7">
-            <a:extLst>
-              <a:ext uri="{FF2B5EF4-FFF2-40B4-BE49-F238E27FC236}">
-                <a16:creationId xmlns:a16="http://schemas.microsoft.com/office/drawing/2014/main" id="{2B566528-1B12-4246-9431-5C2D7D081168}"/>
+      <p:sp useBgFill="1">
+        <p:nvSpPr>
+          <p:cNvPr id="30" name="Rectangle 29">
+            <a:extLst>
+              <a:ext uri="{FF2B5EF4-FFF2-40B4-BE49-F238E27FC236}">
+                <a16:creationId xmlns:a16="http://schemas.microsoft.com/office/drawing/2014/main" id="{E777E57D-6A88-4B5B-A068-2BA7FF4E8CCA}"/>
               </a:ext>
               <a:ext uri="{C183D7F6-B498-43B3-948B-1728B52AA6E4}">
                 <adec:decorative xmlns:adec="http://schemas.microsoft.com/office/drawing/2017/decorative" val="1"/>
@@ -4735,9 +5555,6 @@
           <a:prstGeom prst="rect">
             <a:avLst/>
           </a:prstGeom>
-          <a:solidFill>
-            <a:schemeClr val="bg1"/>
-          </a:solidFill>
           <a:ln>
             <a:noFill/>
           </a:ln>
@@ -4763,7 +5580,7 @@
           <a:lstStyle/>
           <a:p>
             <a:pPr algn="ctr"/>
-            <a:endParaRPr lang="en-US" dirty="0"/>
+            <a:endParaRPr lang="en-US"/>
           </a:p>
         </p:txBody>
       </p:sp>
@@ -4785,18 +5602,18 @@
         </p:nvSpPr>
         <p:spPr>
           <a:xfrm>
-            <a:off x="643467" y="321734"/>
-            <a:ext cx="10905066" cy="1135737"/>
-          </a:xfrm>
-        </p:spPr>
-        <p:txBody>
-          <a:bodyPr>
+            <a:off x="841248" y="502920"/>
+            <a:ext cx="10509504" cy="1975104"/>
+          </a:xfrm>
+        </p:spPr>
+        <p:txBody>
+          <a:bodyPr anchor="b">
             <a:normAutofit/>
           </a:bodyPr>
           <a:lstStyle/>
           <a:p>
             <a:r>
-              <a:rPr lang="en-US" sz="3600"/>
+              <a:rPr lang="en-US" sz="5400"/>
               <a:t>Overview</a:t>
             </a:r>
           </a:p>
@@ -4804,60 +5621,10 @@
       </p:sp>
       <p:sp>
         <p:nvSpPr>
-          <p:cNvPr id="3" name="Content Placeholder 2">
-            <a:extLst>
-              <a:ext uri="{FF2B5EF4-FFF2-40B4-BE49-F238E27FC236}">
-                <a16:creationId xmlns:a16="http://schemas.microsoft.com/office/drawing/2014/main" id="{42BF4FCB-2FA7-48E3-B346-87D3445F055A}"/>
-              </a:ext>
-            </a:extLst>
-          </p:cNvPr>
-          <p:cNvSpPr>
-            <a:spLocks noGrp="1"/>
-          </p:cNvSpPr>
-          <p:nvPr>
-            <p:ph idx="1"/>
-          </p:nvPr>
-        </p:nvSpPr>
-        <p:spPr>
-          <a:xfrm>
-            <a:off x="643467" y="1782981"/>
-            <a:ext cx="10905066" cy="4393982"/>
-          </a:xfrm>
-        </p:spPr>
-        <p:txBody>
-          <a:bodyPr>
-            <a:normAutofit/>
-          </a:bodyPr>
-          <a:lstStyle/>
-          <a:p>
-            <a:r>
-              <a:rPr lang="en-US" sz="3200" dirty="0"/>
-              <a:t>Predicted the operating condition of a waterpoint for each record in the dataset.</a:t>
-            </a:r>
-          </a:p>
-          <a:p>
-            <a:r>
-              <a:rPr lang="en-US" sz="3200" dirty="0"/>
-              <a:t>The data had 59400 Rows and 41 columns, and I cut it down to 18 columns</a:t>
-            </a:r>
-          </a:p>
-          <a:p>
-            <a:r>
-              <a:rPr lang="en-US" sz="3200" dirty="0"/>
-              <a:t>Very dirty data</a:t>
-            </a:r>
-          </a:p>
-          <a:p>
-            <a:endParaRPr lang="en-US" sz="2000" dirty="0"/>
-          </a:p>
-        </p:txBody>
-      </p:sp>
-      <p:sp>
-        <p:nvSpPr>
-          <p:cNvPr id="10" name="Rectangle 9">
-            <a:extLst>
-              <a:ext uri="{FF2B5EF4-FFF2-40B4-BE49-F238E27FC236}">
-                <a16:creationId xmlns:a16="http://schemas.microsoft.com/office/drawing/2014/main" id="{2E80C965-DB6D-4F81-9E9E-B027384D0BD6}"/>
+          <p:cNvPr id="32" name="Rectangle 31">
+            <a:extLst>
+              <a:ext uri="{FF2B5EF4-FFF2-40B4-BE49-F238E27FC236}">
+                <a16:creationId xmlns:a16="http://schemas.microsoft.com/office/drawing/2014/main" id="{F7117410-A2A4-4085-9ADC-46744551DBDE}"/>
               </a:ext>
               <a:ext uri="{C183D7F6-B498-43B3-948B-1728B52AA6E4}">
                 <adec:decorative xmlns:adec="http://schemas.microsoft.com/office/drawing/2017/decorative" val="1"/>
@@ -4876,17 +5643,15 @@
           </p:nvPr>
         </p:nvSpPr>
         <p:spPr>
-          <a:xfrm rot="2700000">
-            <a:off x="11052629" y="2120024"/>
-            <a:ext cx="645368" cy="645368"/>
+          <a:xfrm>
+            <a:off x="842772" y="0"/>
+            <a:ext cx="10506456" cy="191386"/>
           </a:xfrm>
           <a:prstGeom prst="rect">
             <a:avLst/>
           </a:prstGeom>
           <a:solidFill>
-            <a:schemeClr val="accent4">
-              <a:alpha val="30000"/>
-            </a:schemeClr>
+            <a:schemeClr val="accent2"/>
           </a:solidFill>
           <a:ln>
             <a:noFill/>
@@ -4913,16 +5678,21 @@
           <a:lstStyle/>
           <a:p>
             <a:pPr algn="ctr"/>
-            <a:endParaRPr lang="en-US"/>
-          </a:p>
-        </p:txBody>
-      </p:sp>
-      <p:sp>
-        <p:nvSpPr>
-          <p:cNvPr id="12" name="Isosceles Triangle 11">
-            <a:extLst>
-              <a:ext uri="{FF2B5EF4-FFF2-40B4-BE49-F238E27FC236}">
-                <a16:creationId xmlns:a16="http://schemas.microsoft.com/office/drawing/2014/main" id="{A580F890-B085-4E95-96AA-55AEBEC5CE6E}"/>
+            <a:endParaRPr lang="en-US">
+              <a:solidFill>
+                <a:prstClr val="white"/>
+              </a:solidFill>
+              <a:latin typeface="Calibri" panose="020F0502020204030204"/>
+            </a:endParaRPr>
+          </a:p>
+        </p:txBody>
+      </p:sp>
+      <p:sp>
+        <p:nvSpPr>
+          <p:cNvPr id="34" name="Rectangle 33">
+            <a:extLst>
+              <a:ext uri="{FF2B5EF4-FFF2-40B4-BE49-F238E27FC236}">
+                <a16:creationId xmlns:a16="http://schemas.microsoft.com/office/drawing/2014/main" id="{99F74EB5-E547-4FB4-95F5-BCC788F3C4A0}"/>
               </a:ext>
               <a:ext uri="{C183D7F6-B498-43B3-948B-1728B52AA6E4}">
                 <adec:decorative xmlns:adec="http://schemas.microsoft.com/office/drawing/2017/decorative" val="1"/>
@@ -4941,23 +5711,20 @@
           </p:nvPr>
         </p:nvSpPr>
         <p:spPr>
-          <a:xfrm rot="16200000">
-            <a:off x="10289068" y="1343027"/>
-            <a:ext cx="2532832" cy="1273032"/>
-          </a:xfrm>
-          <a:prstGeom prst="triangle">
-            <a:avLst>
-              <a:gd name="adj" fmla="val 50000"/>
-            </a:avLst>
+          <a:xfrm>
+            <a:off x="841248" y="2894076"/>
+            <a:ext cx="10506456" cy="18288"/>
+          </a:xfrm>
+          <a:prstGeom prst="rect">
+            <a:avLst/>
           </a:prstGeom>
           <a:solidFill>
-            <a:schemeClr val="accent4">
-              <a:alpha val="30000"/>
-            </a:schemeClr>
+            <a:srgbClr val="D5D5D5"/>
           </a:solidFill>
-          <a:ln>
+          <a:ln w="3175">
             <a:noFill/>
           </a:ln>
+          <a:effectLst/>
         </p:spPr>
         <p:style>
           <a:lnRef idx="2">
@@ -4980,143 +5747,62 @@
           <a:lstStyle/>
           <a:p>
             <a:pPr algn="ctr"/>
-            <a:endParaRPr lang="en-US"/>
-          </a:p>
-        </p:txBody>
-      </p:sp>
-      <p:sp>
-        <p:nvSpPr>
-          <p:cNvPr id="14" name="Isosceles Triangle 13">
-            <a:extLst>
-              <a:ext uri="{FF2B5EF4-FFF2-40B4-BE49-F238E27FC236}">
-                <a16:creationId xmlns:a16="http://schemas.microsoft.com/office/drawing/2014/main" id="{D3F51FEB-38FB-4F6C-9F7B-2F2AFAB65463}"/>
-              </a:ext>
-              <a:ext uri="{C183D7F6-B498-43B3-948B-1728B52AA6E4}">
-                <adec:decorative xmlns:adec="http://schemas.microsoft.com/office/drawing/2017/decorative" val="1"/>
-              </a:ext>
-            </a:extLst>
-          </p:cNvPr>
-          <p:cNvSpPr>
-            <a:spLocks noGrp="1" noRot="1" noChangeAspect="1" noMove="1" noResize="1" noEditPoints="1" noAdjustHandles="1" noChangeArrowheads="1" noChangeShapeType="1" noTextEdit="1"/>
-          </p:cNvSpPr>
-          <p:nvPr>
-            <p:extLst>
-              <p:ext uri="{386F3935-93C4-4BCD-93E2-E3B085C9AB24}">
-                <p16:designElem xmlns:p16="http://schemas.microsoft.com/office/powerpoint/2015/main" val="1"/>
-              </p:ext>
-            </p:extLst>
-          </p:nvPr>
-        </p:nvSpPr>
-        <p:spPr>
-          <a:xfrm rot="5400000">
-            <a:off x="-501760" y="5103257"/>
-            <a:ext cx="2017580" cy="1014060"/>
-          </a:xfrm>
-          <a:prstGeom prst="triangle">
-            <a:avLst>
-              <a:gd name="adj" fmla="val 50000"/>
-            </a:avLst>
-          </a:prstGeom>
-          <a:solidFill>
-            <a:schemeClr val="accent1">
-              <a:alpha val="30000"/>
-            </a:schemeClr>
-          </a:solidFill>
-          <a:ln>
-            <a:noFill/>
-          </a:ln>
-        </p:spPr>
-        <p:style>
-          <a:lnRef idx="2">
-            <a:schemeClr val="accent1">
-              <a:shade val="50000"/>
-            </a:schemeClr>
-          </a:lnRef>
-          <a:fillRef idx="1">
-            <a:schemeClr val="accent1"/>
-          </a:fillRef>
-          <a:effectRef idx="0">
-            <a:schemeClr val="accent1"/>
-          </a:effectRef>
-          <a:fontRef idx="minor">
-            <a:schemeClr val="lt1"/>
-          </a:fontRef>
-        </p:style>
-        <p:txBody>
-          <a:bodyPr wrap="square" rtlCol="0" anchor="ctr">
-            <a:noAutofit/>
+            <a:endParaRPr lang="en-US">
+              <a:solidFill>
+                <a:prstClr val="white"/>
+              </a:solidFill>
+              <a:latin typeface="Calibri" panose="020F0502020204030204"/>
+            </a:endParaRPr>
+          </a:p>
+        </p:txBody>
+      </p:sp>
+      <p:sp>
+        <p:nvSpPr>
+          <p:cNvPr id="3" name="Content Placeholder 2">
+            <a:extLst>
+              <a:ext uri="{FF2B5EF4-FFF2-40B4-BE49-F238E27FC236}">
+                <a16:creationId xmlns:a16="http://schemas.microsoft.com/office/drawing/2014/main" id="{42BF4FCB-2FA7-48E3-B346-87D3445F055A}"/>
+              </a:ext>
+            </a:extLst>
+          </p:cNvPr>
+          <p:cNvSpPr>
+            <a:spLocks noGrp="1"/>
+          </p:cNvSpPr>
+          <p:nvPr>
+            <p:ph idx="1"/>
+          </p:nvPr>
+        </p:nvSpPr>
+        <p:spPr>
+          <a:xfrm>
+            <a:off x="841248" y="3328416"/>
+            <a:ext cx="10509504" cy="2715768"/>
+          </a:xfrm>
+        </p:spPr>
+        <p:txBody>
+          <a:bodyPr>
+            <a:normAutofit/>
           </a:bodyPr>
           <a:lstStyle/>
           <a:p>
-            <a:pPr algn="ctr"/>
-            <a:endParaRPr lang="en-US"/>
-          </a:p>
-        </p:txBody>
-      </p:sp>
-      <p:sp>
-        <p:nvSpPr>
-          <p:cNvPr id="16" name="Rectangle 15">
-            <a:extLst>
-              <a:ext uri="{FF2B5EF4-FFF2-40B4-BE49-F238E27FC236}">
-                <a16:creationId xmlns:a16="http://schemas.microsoft.com/office/drawing/2014/main" id="{1E547BA6-BAE0-43BB-A7CA-60F69CE252F0}"/>
-              </a:ext>
-              <a:ext uri="{C183D7F6-B498-43B3-948B-1728B52AA6E4}">
-                <adec:decorative xmlns:adec="http://schemas.microsoft.com/office/drawing/2017/decorative" val="1"/>
-              </a:ext>
-            </a:extLst>
-          </p:cNvPr>
-          <p:cNvSpPr>
-            <a:spLocks noGrp="1" noRot="1" noChangeAspect="1" noMove="1" noResize="1" noEditPoints="1" noAdjustHandles="1" noChangeArrowheads="1" noChangeShapeType="1" noTextEdit="1"/>
-          </p:cNvSpPr>
-          <p:nvPr>
-            <p:extLst>
-              <p:ext uri="{386F3935-93C4-4BCD-93E2-E3B085C9AB24}">
-                <p16:designElem xmlns:p16="http://schemas.microsoft.com/office/powerpoint/2015/main" val="1"/>
-              </p:ext>
-            </p:extLst>
-          </p:nvPr>
-        </p:nvSpPr>
-        <p:spPr>
-          <a:xfrm rot="2700000">
-            <a:off x="427916" y="5728708"/>
-            <a:ext cx="485578" cy="485578"/>
-          </a:xfrm>
-          <a:prstGeom prst="rect">
-            <a:avLst/>
-          </a:prstGeom>
-          <a:solidFill>
-            <a:schemeClr val="accent1">
-              <a:alpha val="30000"/>
-            </a:schemeClr>
-          </a:solidFill>
-          <a:ln>
-            <a:noFill/>
-          </a:ln>
-        </p:spPr>
-        <p:style>
-          <a:lnRef idx="2">
-            <a:schemeClr val="accent1">
-              <a:shade val="50000"/>
-            </a:schemeClr>
-          </a:lnRef>
-          <a:fillRef idx="1">
-            <a:schemeClr val="accent1"/>
-          </a:fillRef>
-          <a:effectRef idx="0">
-            <a:schemeClr val="accent1"/>
-          </a:effectRef>
-          <a:fontRef idx="minor">
-            <a:schemeClr val="lt1"/>
-          </a:fontRef>
-        </p:style>
-        <p:txBody>
-          <a:bodyPr wrap="square" rtlCol="0" anchor="ctr">
-            <a:noAutofit/>
-          </a:bodyPr>
-          <a:lstStyle/>
-          <a:p>
-            <a:pPr algn="ctr"/>
-            <a:endParaRPr lang="en-US"/>
+            <a:r>
+              <a:rPr lang="en-US" sz="2200"/>
+              <a:t>Predicted the operating condition of a waterpoint for each record in the dataset.</a:t>
+            </a:r>
+          </a:p>
+          <a:p>
+            <a:r>
+              <a:rPr lang="en-US" sz="2200"/>
+              <a:t>The data had 59400 Rows and 41 columns, and I cut it down to 18 columns</a:t>
+            </a:r>
+          </a:p>
+          <a:p>
+            <a:r>
+              <a:rPr lang="en-US" sz="2200"/>
+              <a:t>Very dirty data</a:t>
+            </a:r>
+          </a:p>
+          <a:p>
+            <a:endParaRPr lang="en-US" sz="2200"/>
           </a:p>
         </p:txBody>
       </p:sp>
